--- a/云架构实战/第二单元 DNS服务（一）/PPT/02.DNS反向解析.pptx
+++ b/云架构实战/第二单元 DNS服务（一）/PPT/02.DNS反向解析.pptx
@@ -1,24 +1,24 @@
 
 <file path=ppt/presentation.xml><?xml version="1.0" encoding="utf-8"?>
-<p:presentation xmlns:a="http://schemas.openxmlformats.org/drawingml/2006/main" xmlns:r="http://schemas.openxmlformats.org/officeDocument/2006/relationships" xmlns:p="http://schemas.openxmlformats.org/presentationml/2006/main" saveSubsetFonts="1">
+<p:presentation xmlns:a="http://schemas.openxmlformats.org/drawingml/2006/main" xmlns:r="http://schemas.openxmlformats.org/officeDocument/2006/relationships" xmlns:p="http://schemas.openxmlformats.org/presentationml/2006/main">
   <p:sldMasterIdLst>
     <p:sldMasterId id="2147483648" r:id="rId1"/>
   </p:sldMasterIdLst>
   <p:notesMasterIdLst>
-    <p:notesMasterId r:id="rId10"/>
+    <p:notesMasterId r:id="rId4"/>
   </p:notesMasterIdLst>
   <p:handoutMasterIdLst>
-    <p:handoutMasterId r:id="rId11"/>
+    <p:handoutMasterId r:id="rId12"/>
   </p:handoutMasterIdLst>
   <p:sldIdLst>
-    <p:sldId id="516" r:id="rId2"/>
-    <p:sldId id="859" r:id="rId3"/>
-    <p:sldId id="2147" r:id="rId4"/>
-    <p:sldId id="2146" r:id="rId5"/>
-    <p:sldId id="2142" r:id="rId6"/>
-    <p:sldId id="2148" r:id="rId7"/>
-    <p:sldId id="2143" r:id="rId8"/>
-    <p:sldId id="515" r:id="rId9"/>
+    <p:sldId id="516" r:id="rId3"/>
+    <p:sldId id="859" r:id="rId5"/>
+    <p:sldId id="2147" r:id="rId6"/>
+    <p:sldId id="2146" r:id="rId7"/>
+    <p:sldId id="2142" r:id="rId8"/>
+    <p:sldId id="2148" r:id="rId9"/>
+    <p:sldId id="2143" r:id="rId10"/>
+    <p:sldId id="515" r:id="rId11"/>
   </p:sldIdLst>
   <p:sldSz cx="9144000" cy="5143500" type="screen16x9"/>
   <p:notesSz cx="6858000" cy="9144000"/>
@@ -37,7 +37,7 @@
         <a:solidFill>
           <a:schemeClr val="tx1"/>
         </a:solidFill>
-        <a:latin typeface="Arial" panose="020B0604020202090204" pitchFamily="34" charset="0"/>
+        <a:latin typeface="Arial" panose="020B0604020202020204" pitchFamily="34" charset="0"/>
         <a:ea typeface="黑体" panose="02010609060101010101" pitchFamily="2" charset="-122"/>
         <a:cs typeface="+mn-cs"/>
       </a:defRPr>
@@ -53,7 +53,7 @@
         <a:solidFill>
           <a:schemeClr val="tx1"/>
         </a:solidFill>
-        <a:latin typeface="Arial" panose="020B0604020202090204" pitchFamily="34" charset="0"/>
+        <a:latin typeface="Arial" panose="020B0604020202020204" pitchFamily="34" charset="0"/>
         <a:ea typeface="黑体" panose="02010609060101010101" pitchFamily="2" charset="-122"/>
         <a:cs typeface="+mn-cs"/>
       </a:defRPr>
@@ -69,7 +69,7 @@
         <a:solidFill>
           <a:schemeClr val="tx1"/>
         </a:solidFill>
-        <a:latin typeface="Arial" panose="020B0604020202090204" pitchFamily="34" charset="0"/>
+        <a:latin typeface="Arial" panose="020B0604020202020204" pitchFamily="34" charset="0"/>
         <a:ea typeface="黑体" panose="02010609060101010101" pitchFamily="2" charset="-122"/>
         <a:cs typeface="+mn-cs"/>
       </a:defRPr>
@@ -85,7 +85,7 @@
         <a:solidFill>
           <a:schemeClr val="tx1"/>
         </a:solidFill>
-        <a:latin typeface="Arial" panose="020B0604020202090204" pitchFamily="34" charset="0"/>
+        <a:latin typeface="Arial" panose="020B0604020202020204" pitchFamily="34" charset="0"/>
         <a:ea typeface="黑体" panose="02010609060101010101" pitchFamily="2" charset="-122"/>
         <a:cs typeface="+mn-cs"/>
       </a:defRPr>
@@ -101,7 +101,7 @@
         <a:solidFill>
           <a:schemeClr val="tx1"/>
         </a:solidFill>
-        <a:latin typeface="Arial" panose="020B0604020202090204" pitchFamily="34" charset="0"/>
+        <a:latin typeface="Arial" panose="020B0604020202020204" pitchFamily="34" charset="0"/>
         <a:ea typeface="黑体" panose="02010609060101010101" pitchFamily="2" charset="-122"/>
         <a:cs typeface="+mn-cs"/>
       </a:defRPr>
@@ -111,7 +111,7 @@
         <a:solidFill>
           <a:schemeClr val="tx1"/>
         </a:solidFill>
-        <a:latin typeface="Arial" panose="020B0604020202090204" pitchFamily="34" charset="0"/>
+        <a:latin typeface="Arial" panose="020B0604020202020204" pitchFamily="34" charset="0"/>
         <a:ea typeface="黑体" panose="02010609060101010101" pitchFamily="2" charset="-122"/>
         <a:cs typeface="+mn-cs"/>
       </a:defRPr>
@@ -121,7 +121,7 @@
         <a:solidFill>
           <a:schemeClr val="tx1"/>
         </a:solidFill>
-        <a:latin typeface="Arial" panose="020B0604020202090204" pitchFamily="34" charset="0"/>
+        <a:latin typeface="Arial" panose="020B0604020202020204" pitchFamily="34" charset="0"/>
         <a:ea typeface="黑体" panose="02010609060101010101" pitchFamily="2" charset="-122"/>
         <a:cs typeface="+mn-cs"/>
       </a:defRPr>
@@ -131,7 +131,7 @@
         <a:solidFill>
           <a:schemeClr val="tx1"/>
         </a:solidFill>
-        <a:latin typeface="Arial" panose="020B0604020202090204" pitchFamily="34" charset="0"/>
+        <a:latin typeface="Arial" panose="020B0604020202020204" pitchFamily="34" charset="0"/>
         <a:ea typeface="黑体" panose="02010609060101010101" pitchFamily="2" charset="-122"/>
         <a:cs typeface="+mn-cs"/>
       </a:defRPr>
@@ -141,7 +141,7 @@
         <a:solidFill>
           <a:schemeClr val="tx1"/>
         </a:solidFill>
-        <a:latin typeface="Arial" panose="020B0604020202090204" pitchFamily="34" charset="0"/>
+        <a:latin typeface="Arial" panose="020B0604020202020204" pitchFamily="34" charset="0"/>
         <a:ea typeface="黑体" panose="02010609060101010101" pitchFamily="2" charset="-122"/>
         <a:cs typeface="+mn-cs"/>
       </a:defRPr>
@@ -163,39 +163,6 @@
           </p14:sldIdLst>
         </p14:section>
       </p14:sectionLst>
-    </p:ext>
-    <p:ext uri="{EFAFB233-063F-42B5-8137-9DF3F51BA10A}">
-      <p15:sldGuideLst xmlns:p15="http://schemas.microsoft.com/office/powerpoint/2012/main">
-        <p15:guide id="1" orient="horz" pos="1625">
-          <p15:clr>
-            <a:srgbClr val="A4A3A4"/>
-          </p15:clr>
-        </p15:guide>
-        <p15:guide id="2" orient="horz" pos="2319">
-          <p15:clr>
-            <a:srgbClr val="A4A3A4"/>
-          </p15:clr>
-        </p15:guide>
-        <p15:guide id="3" pos="2931">
-          <p15:clr>
-            <a:srgbClr val="A4A3A4"/>
-          </p15:clr>
-        </p15:guide>
-      </p15:sldGuideLst>
-    </p:ext>
-    <p:ext uri="{2D200454-40CA-4A62-9FC3-DE9A4176ACB9}">
-      <p15:notesGuideLst xmlns:p15="http://schemas.microsoft.com/office/powerpoint/2012/main">
-        <p15:guide id="1" orient="horz" pos="2889">
-          <p15:clr>
-            <a:srgbClr val="A4A3A4"/>
-          </p15:clr>
-        </p15:guide>
-        <p15:guide id="2" pos="2198">
-          <p15:clr>
-            <a:srgbClr val="A4A3A4"/>
-          </p15:clr>
-        </p15:guide>
-      </p15:notesGuideLst>
     </p:ext>
   </p:extLst>
 </p:presentation>
@@ -402,7 +369,6 @@
             </a:pPr>
             <a:fld id="{DB3C531B-D83C-493A-84AD-316F78881EC3}" type="slidenum">
               <a:rPr lang="zh-CN" altLang="en-US"/>
-              <a:t>‹#›</a:t>
             </a:fld>
             <a:endParaRPr lang="en-US" altLang="zh-CN"/>
           </a:p>
@@ -586,6 +552,7 @@
               <a:rPr lang="en-US" altLang="zh-CN" noProof="0"/>
               <a:t>Click to edit Master text styles</a:t>
             </a:r>
+            <a:endParaRPr lang="en-US" altLang="zh-CN" noProof="0"/>
           </a:p>
           <a:p>
             <a:pPr lvl="1"/>
@@ -593,6 +560,7 @@
               <a:rPr lang="en-US" altLang="zh-CN" noProof="0"/>
               <a:t>Second level</a:t>
             </a:r>
+            <a:endParaRPr lang="en-US" altLang="zh-CN" noProof="0"/>
           </a:p>
           <a:p>
             <a:pPr lvl="2"/>
@@ -600,6 +568,7 @@
               <a:rPr lang="en-US" altLang="zh-CN" noProof="0"/>
               <a:t>Third level</a:t>
             </a:r>
+            <a:endParaRPr lang="en-US" altLang="zh-CN" noProof="0"/>
           </a:p>
           <a:p>
             <a:pPr lvl="3"/>
@@ -607,6 +576,7 @@
               <a:rPr lang="en-US" altLang="zh-CN" noProof="0"/>
               <a:t>Fourth level</a:t>
             </a:r>
+            <a:endParaRPr lang="en-US" altLang="zh-CN" noProof="0"/>
           </a:p>
           <a:p>
             <a:pPr lvl="4"/>
@@ -614,6 +584,7 @@
               <a:rPr lang="en-US" altLang="zh-CN" noProof="0"/>
               <a:t>Fifth level</a:t>
             </a:r>
+            <a:endParaRPr lang="en-US" altLang="zh-CN" noProof="0"/>
           </a:p>
         </p:txBody>
       </p:sp>
@@ -701,7 +672,6 @@
             </a:pPr>
             <a:fld id="{CB801823-96DB-4EC2-991A-2DEE593AD1DA}" type="slidenum">
               <a:rPr lang="zh-CN" altLang="en-US"/>
-              <a:t>‹#›</a:t>
             </a:fld>
             <a:endParaRPr lang="en-US" altLang="zh-CN"/>
           </a:p>
@@ -722,7 +692,7 @@
         <a:solidFill>
           <a:schemeClr val="tx1"/>
         </a:solidFill>
-        <a:latin typeface="Times New Roman" panose="02020703060505090304" pitchFamily="18" charset="0"/>
+        <a:latin typeface="Times New Roman" panose="02020603050405020304" pitchFamily="18" charset="0"/>
         <a:ea typeface="宋体" panose="02010600030101010101" pitchFamily="2" charset="-122"/>
         <a:cs typeface="+mn-cs"/>
       </a:defRPr>
@@ -738,7 +708,7 @@
         <a:solidFill>
           <a:schemeClr val="tx1"/>
         </a:solidFill>
-        <a:latin typeface="Times New Roman" panose="02020703060505090304" pitchFamily="18" charset="0"/>
+        <a:latin typeface="Times New Roman" panose="02020603050405020304" pitchFamily="18" charset="0"/>
         <a:ea typeface="宋体" panose="02010600030101010101" pitchFamily="2" charset="-122"/>
         <a:cs typeface="+mn-cs"/>
       </a:defRPr>
@@ -754,7 +724,7 @@
         <a:solidFill>
           <a:schemeClr val="tx1"/>
         </a:solidFill>
-        <a:latin typeface="Times New Roman" panose="02020703060505090304" pitchFamily="18" charset="0"/>
+        <a:latin typeface="Times New Roman" panose="02020603050405020304" pitchFamily="18" charset="0"/>
         <a:ea typeface="宋体" panose="02010600030101010101" pitchFamily="2" charset="-122"/>
         <a:cs typeface="+mn-cs"/>
       </a:defRPr>
@@ -770,7 +740,7 @@
         <a:solidFill>
           <a:schemeClr val="tx1"/>
         </a:solidFill>
-        <a:latin typeface="Times New Roman" panose="02020703060505090304" pitchFamily="18" charset="0"/>
+        <a:latin typeface="Times New Roman" panose="02020603050405020304" pitchFamily="18" charset="0"/>
         <a:ea typeface="宋体" panose="02010600030101010101" pitchFamily="2" charset="-122"/>
         <a:cs typeface="+mn-cs"/>
       </a:defRPr>
@@ -786,7 +756,7 @@
         <a:solidFill>
           <a:schemeClr val="tx1"/>
         </a:solidFill>
-        <a:latin typeface="Times New Roman" panose="02020703060505090304" pitchFamily="18" charset="0"/>
+        <a:latin typeface="Times New Roman" panose="02020603050405020304" pitchFamily="18" charset="0"/>
         <a:ea typeface="宋体" panose="02010600030101010101" pitchFamily="2" charset="-122"/>
         <a:cs typeface="+mn-cs"/>
       </a:defRPr>
@@ -889,6 +859,7 @@
               <a:rPr lang="en-US" altLang="zh-CN" dirty="0"/>
               <a:t>1</a:t>
             </a:r>
+            <a:endParaRPr lang="en-US" altLang="zh-CN" dirty="0"/>
           </a:p>
         </p:txBody>
       </p:sp>
@@ -912,7 +883,6 @@
             </a:pPr>
             <a:fld id="{CB801823-96DB-4EC2-991A-2DEE593AD1DA}" type="slidenum">
               <a:rPr lang="zh-CN" altLang="en-US" smtClean="0"/>
-              <a:t>1</a:t>
             </a:fld>
             <a:endParaRPr lang="en-US" altLang="zh-CN"/>
           </a:p>
@@ -1022,7 +992,6 @@
             </a:pPr>
             <a:fld id="{CB801823-96DB-4EC2-991A-2DEE593AD1DA}" type="slidenum">
               <a:rPr lang="zh-CN" altLang="en-US" smtClean="0"/>
-              <a:t>2</a:t>
             </a:fld>
             <a:endParaRPr lang="en-US" altLang="zh-CN"/>
           </a:p>
@@ -1132,7 +1101,6 @@
             </a:pPr>
             <a:fld id="{CB801823-96DB-4EC2-991A-2DEE593AD1DA}" type="slidenum">
               <a:rPr lang="zh-CN" altLang="en-US" smtClean="0"/>
-              <a:t>3</a:t>
             </a:fld>
             <a:endParaRPr lang="en-US" altLang="zh-CN"/>
           </a:p>
@@ -1214,7 +1182,6 @@
             </a:pPr>
             <a:fld id="{CB801823-96DB-4EC2-991A-2DEE593AD1DA}" type="slidenum">
               <a:rPr lang="zh-CN" altLang="en-US" smtClean="0"/>
-              <a:t>4</a:t>
             </a:fld>
             <a:endParaRPr lang="en-US" altLang="zh-CN"/>
           </a:p>
@@ -1296,7 +1263,6 @@
             </a:pPr>
             <a:fld id="{CB801823-96DB-4EC2-991A-2DEE593AD1DA}" type="slidenum">
               <a:rPr lang="zh-CN" altLang="en-US" smtClean="0"/>
-              <a:t>5</a:t>
             </a:fld>
             <a:endParaRPr lang="en-US" altLang="zh-CN"/>
           </a:p>
@@ -1378,7 +1344,6 @@
             </a:pPr>
             <a:fld id="{CB801823-96DB-4EC2-991A-2DEE593AD1DA}" type="slidenum">
               <a:rPr lang="zh-CN" altLang="en-US" smtClean="0"/>
-              <a:t>7</a:t>
             </a:fld>
             <a:endParaRPr lang="en-US" altLang="zh-CN"/>
           </a:p>
@@ -1493,6 +1458,7 @@
               <a:rPr lang="zh-CN" altLang="en-US" dirty="0"/>
               <a:t>单击此处编辑母版标题样式</a:t>
             </a:r>
+            <a:endParaRPr lang="zh-CN" altLang="en-US" dirty="0"/>
           </a:p>
         </p:txBody>
       </p:sp>
@@ -1594,6 +1560,7 @@
               <a:rPr lang="zh-CN" altLang="en-US" dirty="0"/>
               <a:t>单击此处编辑母版文本样式</a:t>
             </a:r>
+            <a:endParaRPr lang="zh-CN" altLang="en-US" dirty="0"/>
           </a:p>
           <a:p>
             <a:pPr lvl="1"/>
@@ -1601,6 +1568,7 @@
               <a:rPr lang="zh-CN" altLang="en-US" dirty="0"/>
               <a:t>第二级</a:t>
             </a:r>
+            <a:endParaRPr lang="zh-CN" altLang="en-US" dirty="0"/>
           </a:p>
           <a:p>
             <a:pPr lvl="2"/>
@@ -1608,6 +1576,7 @@
               <a:rPr lang="zh-CN" altLang="en-US" dirty="0"/>
               <a:t>第三级</a:t>
             </a:r>
+            <a:endParaRPr lang="zh-CN" altLang="en-US" dirty="0"/>
           </a:p>
         </p:txBody>
       </p:sp>
@@ -1709,6 +1678,7 @@
               <a:rPr lang="zh-CN" altLang="en-US" dirty="0"/>
               <a:t>单击此处编辑式</a:t>
             </a:r>
+            <a:endParaRPr lang="zh-CN" altLang="en-US" dirty="0"/>
           </a:p>
         </p:txBody>
       </p:sp>
@@ -1776,6 +1746,7 @@
               <a:rPr lang="zh-CN" altLang="en-US" dirty="0"/>
               <a:t>单击此处编辑母版标题样式</a:t>
             </a:r>
+            <a:endParaRPr lang="zh-CN" altLang="en-US" dirty="0"/>
           </a:p>
         </p:txBody>
       </p:sp>
@@ -1855,6 +1826,7 @@
               <a:rPr lang="zh-CN" altLang="en-US" dirty="0"/>
               <a:t>单击此处编辑母版标题样式</a:t>
             </a:r>
+            <a:endParaRPr lang="zh-CN" altLang="en-US" dirty="0"/>
           </a:p>
         </p:txBody>
       </p:sp>
@@ -1979,6 +1951,7 @@
               <a:rPr lang="zh-CN" altLang="en-US" dirty="0"/>
               <a:t>单击此处编辑母版副标题样式</a:t>
             </a:r>
+            <a:endParaRPr lang="zh-CN" altLang="en-US" dirty="0"/>
           </a:p>
         </p:txBody>
       </p:sp>
@@ -2081,7 +2054,7 @@
                 <a:solidFill>
                   <a:schemeClr val="tx1"/>
                 </a:solidFill>
-                <a:latin typeface="Arial" panose="020B0604020202090204" pitchFamily="34" charset="0"/>
+                <a:latin typeface="Arial" panose="020B0604020202020204" pitchFamily="34" charset="0"/>
                 <a:ea typeface="宋体" panose="02010600030101010101" pitchFamily="2" charset="-122"/>
               </a:defRPr>
             </a:lvl1pPr>
@@ -2090,7 +2063,7 @@
                 <a:solidFill>
                   <a:schemeClr val="tx1"/>
                 </a:solidFill>
-                <a:latin typeface="Arial" panose="020B0604020202090204" pitchFamily="34" charset="0"/>
+                <a:latin typeface="Arial" panose="020B0604020202020204" pitchFamily="34" charset="0"/>
                 <a:ea typeface="宋体" panose="02010600030101010101" pitchFamily="2" charset="-122"/>
               </a:defRPr>
             </a:lvl2pPr>
@@ -2099,7 +2072,7 @@
                 <a:solidFill>
                   <a:schemeClr val="tx1"/>
                 </a:solidFill>
-                <a:latin typeface="Arial" panose="020B0604020202090204" pitchFamily="34" charset="0"/>
+                <a:latin typeface="Arial" panose="020B0604020202020204" pitchFamily="34" charset="0"/>
                 <a:ea typeface="宋体" panose="02010600030101010101" pitchFamily="2" charset="-122"/>
               </a:defRPr>
             </a:lvl3pPr>
@@ -2108,7 +2081,7 @@
                 <a:solidFill>
                   <a:schemeClr val="tx1"/>
                 </a:solidFill>
-                <a:latin typeface="Arial" panose="020B0604020202090204" pitchFamily="34" charset="0"/>
+                <a:latin typeface="Arial" panose="020B0604020202020204" pitchFamily="34" charset="0"/>
                 <a:ea typeface="宋体" panose="02010600030101010101" pitchFamily="2" charset="-122"/>
               </a:defRPr>
             </a:lvl4pPr>
@@ -2117,7 +2090,7 @@
                 <a:solidFill>
                   <a:schemeClr val="tx1"/>
                 </a:solidFill>
-                <a:latin typeface="Arial" panose="020B0604020202090204" pitchFamily="34" charset="0"/>
+                <a:latin typeface="Arial" panose="020B0604020202020204" pitchFamily="34" charset="0"/>
                 <a:ea typeface="宋体" panose="02010600030101010101" pitchFamily="2" charset="-122"/>
               </a:defRPr>
             </a:lvl5pPr>
@@ -2132,7 +2105,7 @@
                 <a:solidFill>
                   <a:schemeClr val="tx1"/>
                 </a:solidFill>
-                <a:latin typeface="Arial" panose="020B0604020202090204" pitchFamily="34" charset="0"/>
+                <a:latin typeface="Arial" panose="020B0604020202020204" pitchFamily="34" charset="0"/>
                 <a:ea typeface="宋体" panose="02010600030101010101" pitchFamily="2" charset="-122"/>
               </a:defRPr>
             </a:lvl6pPr>
@@ -2147,7 +2120,7 @@
                 <a:solidFill>
                   <a:schemeClr val="tx1"/>
                 </a:solidFill>
-                <a:latin typeface="Arial" panose="020B0604020202090204" pitchFamily="34" charset="0"/>
+                <a:latin typeface="Arial" panose="020B0604020202020204" pitchFamily="34" charset="0"/>
                 <a:ea typeface="宋体" panose="02010600030101010101" pitchFamily="2" charset="-122"/>
               </a:defRPr>
             </a:lvl7pPr>
@@ -2162,7 +2135,7 @@
                 <a:solidFill>
                   <a:schemeClr val="tx1"/>
                 </a:solidFill>
-                <a:latin typeface="Arial" panose="020B0604020202090204" pitchFamily="34" charset="0"/>
+                <a:latin typeface="Arial" panose="020B0604020202020204" pitchFamily="34" charset="0"/>
                 <a:ea typeface="宋体" panose="02010600030101010101" pitchFamily="2" charset="-122"/>
               </a:defRPr>
             </a:lvl8pPr>
@@ -2177,14 +2150,14 @@
                 <a:solidFill>
                   <a:schemeClr val="tx1"/>
                 </a:solidFill>
-                <a:latin typeface="Arial" panose="020B0604020202090204" pitchFamily="34" charset="0"/>
+                <a:latin typeface="Arial" panose="020B0604020202020204" pitchFamily="34" charset="0"/>
                 <a:ea typeface="宋体" panose="02010600030101010101" pitchFamily="2" charset="-122"/>
               </a:defRPr>
             </a:lvl9pPr>
           </a:lstStyle>
           <a:p>
             <a:pPr algn="ctr" eaLnBrk="1" hangingPunct="1">
-              <a:buFont typeface="Arial" panose="020B0604020202090204" pitchFamily="34" charset="0"/>
+              <a:buFont typeface="Arial" panose="020B0604020202020204" pitchFamily="34" charset="0"/>
               <a:buNone/>
             </a:pPr>
             <a:r>
@@ -2259,7 +2232,7 @@
                 <a:solidFill>
                   <a:schemeClr val="tx1"/>
                 </a:solidFill>
-                <a:latin typeface="Arial" panose="020B0604020202090204" pitchFamily="34" charset="0"/>
+                <a:latin typeface="Arial" panose="020B0604020202020204" pitchFamily="34" charset="0"/>
                 <a:ea typeface="宋体" panose="02010600030101010101" pitchFamily="2" charset="-122"/>
               </a:defRPr>
             </a:lvl1pPr>
@@ -2268,7 +2241,7 @@
                 <a:solidFill>
                   <a:schemeClr val="tx1"/>
                 </a:solidFill>
-                <a:latin typeface="Arial" panose="020B0604020202090204" pitchFamily="34" charset="0"/>
+                <a:latin typeface="Arial" panose="020B0604020202020204" pitchFamily="34" charset="0"/>
                 <a:ea typeface="宋体" panose="02010600030101010101" pitchFamily="2" charset="-122"/>
               </a:defRPr>
             </a:lvl2pPr>
@@ -2277,7 +2250,7 @@
                 <a:solidFill>
                   <a:schemeClr val="tx1"/>
                 </a:solidFill>
-                <a:latin typeface="Arial" panose="020B0604020202090204" pitchFamily="34" charset="0"/>
+                <a:latin typeface="Arial" panose="020B0604020202020204" pitchFamily="34" charset="0"/>
                 <a:ea typeface="宋体" panose="02010600030101010101" pitchFamily="2" charset="-122"/>
               </a:defRPr>
             </a:lvl3pPr>
@@ -2286,7 +2259,7 @@
                 <a:solidFill>
                   <a:schemeClr val="tx1"/>
                 </a:solidFill>
-                <a:latin typeface="Arial" panose="020B0604020202090204" pitchFamily="34" charset="0"/>
+                <a:latin typeface="Arial" panose="020B0604020202020204" pitchFamily="34" charset="0"/>
                 <a:ea typeface="宋体" panose="02010600030101010101" pitchFamily="2" charset="-122"/>
               </a:defRPr>
             </a:lvl4pPr>
@@ -2295,7 +2268,7 @@
                 <a:solidFill>
                   <a:schemeClr val="tx1"/>
                 </a:solidFill>
-                <a:latin typeface="Arial" panose="020B0604020202090204" pitchFamily="34" charset="0"/>
+                <a:latin typeface="Arial" panose="020B0604020202020204" pitchFamily="34" charset="0"/>
                 <a:ea typeface="宋体" panose="02010600030101010101" pitchFamily="2" charset="-122"/>
               </a:defRPr>
             </a:lvl5pPr>
@@ -2310,7 +2283,7 @@
                 <a:solidFill>
                   <a:schemeClr val="tx1"/>
                 </a:solidFill>
-                <a:latin typeface="Arial" panose="020B0604020202090204" pitchFamily="34" charset="0"/>
+                <a:latin typeface="Arial" panose="020B0604020202020204" pitchFamily="34" charset="0"/>
                 <a:ea typeface="宋体" panose="02010600030101010101" pitchFamily="2" charset="-122"/>
               </a:defRPr>
             </a:lvl6pPr>
@@ -2325,7 +2298,7 @@
                 <a:solidFill>
                   <a:schemeClr val="tx1"/>
                 </a:solidFill>
-                <a:latin typeface="Arial" panose="020B0604020202090204" pitchFamily="34" charset="0"/>
+                <a:latin typeface="Arial" panose="020B0604020202020204" pitchFamily="34" charset="0"/>
                 <a:ea typeface="宋体" panose="02010600030101010101" pitchFamily="2" charset="-122"/>
               </a:defRPr>
             </a:lvl7pPr>
@@ -2340,7 +2313,7 @@
                 <a:solidFill>
                   <a:schemeClr val="tx1"/>
                 </a:solidFill>
-                <a:latin typeface="Arial" panose="020B0604020202090204" pitchFamily="34" charset="0"/>
+                <a:latin typeface="Arial" panose="020B0604020202020204" pitchFamily="34" charset="0"/>
                 <a:ea typeface="宋体" panose="02010600030101010101" pitchFamily="2" charset="-122"/>
               </a:defRPr>
             </a:lvl8pPr>
@@ -2355,14 +2328,14 @@
                 <a:solidFill>
                   <a:schemeClr val="tx1"/>
                 </a:solidFill>
-                <a:latin typeface="Arial" panose="020B0604020202090204" pitchFamily="34" charset="0"/>
+                <a:latin typeface="Arial" panose="020B0604020202020204" pitchFamily="34" charset="0"/>
                 <a:ea typeface="宋体" panose="02010600030101010101" pitchFamily="2" charset="-122"/>
               </a:defRPr>
             </a:lvl9pPr>
           </a:lstStyle>
           <a:p>
             <a:pPr algn="ctr" eaLnBrk="1" hangingPunct="1">
-              <a:buFont typeface="Arial" panose="020B0604020202090204" pitchFamily="34" charset="0"/>
+              <a:buFont typeface="Arial" panose="020B0604020202020204" pitchFamily="34" charset="0"/>
               <a:buNone/>
             </a:pPr>
             <a:r>
@@ -2483,6 +2456,7 @@
               <a:rPr lang="zh-CN" altLang="en-US" dirty="0"/>
               <a:t>单击此处编辑母版标题样式</a:t>
             </a:r>
+            <a:endParaRPr lang="zh-CN" altLang="en-US" dirty="0"/>
           </a:p>
         </p:txBody>
       </p:sp>
@@ -2584,6 +2558,7 @@
               <a:rPr lang="zh-CN" altLang="en-US" dirty="0"/>
               <a:t>单击此处编辑母版文本样式</a:t>
             </a:r>
+            <a:endParaRPr lang="zh-CN" altLang="en-US" dirty="0"/>
           </a:p>
           <a:p>
             <a:pPr lvl="1"/>
@@ -2591,6 +2566,7 @@
               <a:rPr lang="zh-CN" altLang="en-US" dirty="0"/>
               <a:t>第二级</a:t>
             </a:r>
+            <a:endParaRPr lang="zh-CN" altLang="en-US" dirty="0"/>
           </a:p>
           <a:p>
             <a:pPr lvl="2"/>
@@ -2598,6 +2574,7 @@
               <a:rPr lang="zh-CN" altLang="en-US" dirty="0"/>
               <a:t>第三级</a:t>
             </a:r>
+            <a:endParaRPr lang="zh-CN" altLang="en-US" dirty="0"/>
           </a:p>
         </p:txBody>
       </p:sp>
@@ -2664,6 +2641,7 @@
               <a:rPr lang="zh-CN" altLang="en-US" dirty="0"/>
               <a:t>单击此处编辑母版标题样式</a:t>
             </a:r>
+            <a:endParaRPr lang="zh-CN" altLang="en-US" dirty="0"/>
           </a:p>
         </p:txBody>
       </p:sp>
@@ -2765,6 +2743,7 @@
               <a:rPr lang="zh-CN" altLang="en-US" dirty="0"/>
               <a:t>单击此处编辑母版文本样式</a:t>
             </a:r>
+            <a:endParaRPr lang="zh-CN" altLang="en-US" dirty="0"/>
           </a:p>
           <a:p>
             <a:pPr lvl="1"/>
@@ -2772,6 +2751,7 @@
               <a:rPr lang="zh-CN" altLang="en-US" dirty="0"/>
               <a:t>第二级</a:t>
             </a:r>
+            <a:endParaRPr lang="zh-CN" altLang="en-US" dirty="0"/>
           </a:p>
           <a:p>
             <a:pPr lvl="2"/>
@@ -2779,6 +2759,7 @@
               <a:rPr lang="zh-CN" altLang="en-US" dirty="0"/>
               <a:t>第三级</a:t>
             </a:r>
+            <a:endParaRPr lang="zh-CN" altLang="en-US" dirty="0"/>
           </a:p>
         </p:txBody>
       </p:sp>
@@ -2845,6 +2826,7 @@
               <a:rPr lang="zh-CN" altLang="en-US" dirty="0"/>
               <a:t>单击此处编辑母版标题样式</a:t>
             </a:r>
+            <a:endParaRPr lang="zh-CN" altLang="en-US" dirty="0"/>
           </a:p>
         </p:txBody>
       </p:sp>
@@ -2946,6 +2928,7 @@
               <a:rPr lang="zh-CN" altLang="en-US" dirty="0"/>
               <a:t>单击此处编辑母版文本样式</a:t>
             </a:r>
+            <a:endParaRPr lang="zh-CN" altLang="en-US" dirty="0"/>
           </a:p>
           <a:p>
             <a:pPr lvl="1"/>
@@ -2953,6 +2936,7 @@
               <a:rPr lang="zh-CN" altLang="en-US" dirty="0"/>
               <a:t>第二级</a:t>
             </a:r>
+            <a:endParaRPr lang="zh-CN" altLang="en-US" dirty="0"/>
           </a:p>
           <a:p>
             <a:pPr lvl="2"/>
@@ -2960,6 +2944,7 @@
               <a:rPr lang="zh-CN" altLang="en-US" dirty="0"/>
               <a:t>第三级</a:t>
             </a:r>
+            <a:endParaRPr lang="zh-CN" altLang="en-US" dirty="0"/>
           </a:p>
         </p:txBody>
       </p:sp>
@@ -3081,6 +3066,7 @@
               <a:rPr lang="zh-CN" altLang="en-US" dirty="0"/>
               <a:t>单击此处编辑</a:t>
             </a:r>
+            <a:endParaRPr lang="zh-CN" altLang="en-US" dirty="0"/>
           </a:p>
         </p:txBody>
       </p:sp>
@@ -3127,7 +3113,7 @@
                 <a:solidFill>
                   <a:schemeClr val="tx1"/>
                 </a:solidFill>
-                <a:latin typeface="Arial" panose="020B0604020202090204" pitchFamily="34" charset="0"/>
+                <a:latin typeface="Arial" panose="020B0604020202020204" pitchFamily="34" charset="0"/>
                 <a:ea typeface="宋体" panose="02010600030101010101" pitchFamily="2" charset="-122"/>
               </a:defRPr>
             </a:lvl1pPr>
@@ -3136,7 +3122,7 @@
                 <a:solidFill>
                   <a:schemeClr val="tx1"/>
                 </a:solidFill>
-                <a:latin typeface="Arial" panose="020B0604020202090204" pitchFamily="34" charset="0"/>
+                <a:latin typeface="Arial" panose="020B0604020202020204" pitchFamily="34" charset="0"/>
                 <a:ea typeface="宋体" panose="02010600030101010101" pitchFamily="2" charset="-122"/>
               </a:defRPr>
             </a:lvl2pPr>
@@ -3145,7 +3131,7 @@
                 <a:solidFill>
                   <a:schemeClr val="tx1"/>
                 </a:solidFill>
-                <a:latin typeface="Arial" panose="020B0604020202090204" pitchFamily="34" charset="0"/>
+                <a:latin typeface="Arial" panose="020B0604020202020204" pitchFamily="34" charset="0"/>
                 <a:ea typeface="宋体" panose="02010600030101010101" pitchFamily="2" charset="-122"/>
               </a:defRPr>
             </a:lvl3pPr>
@@ -3154,7 +3140,7 @@
                 <a:solidFill>
                   <a:schemeClr val="tx1"/>
                 </a:solidFill>
-                <a:latin typeface="Arial" panose="020B0604020202090204" pitchFamily="34" charset="0"/>
+                <a:latin typeface="Arial" panose="020B0604020202020204" pitchFamily="34" charset="0"/>
                 <a:ea typeface="宋体" panose="02010600030101010101" pitchFamily="2" charset="-122"/>
               </a:defRPr>
             </a:lvl4pPr>
@@ -3163,7 +3149,7 @@
                 <a:solidFill>
                   <a:schemeClr val="tx1"/>
                 </a:solidFill>
-                <a:latin typeface="Arial" panose="020B0604020202090204" pitchFamily="34" charset="0"/>
+                <a:latin typeface="Arial" panose="020B0604020202020204" pitchFamily="34" charset="0"/>
                 <a:ea typeface="宋体" panose="02010600030101010101" pitchFamily="2" charset="-122"/>
               </a:defRPr>
             </a:lvl5pPr>
@@ -3178,7 +3164,7 @@
                 <a:solidFill>
                   <a:schemeClr val="tx1"/>
                 </a:solidFill>
-                <a:latin typeface="Arial" panose="020B0604020202090204" pitchFamily="34" charset="0"/>
+                <a:latin typeface="Arial" panose="020B0604020202020204" pitchFamily="34" charset="0"/>
                 <a:ea typeface="宋体" panose="02010600030101010101" pitchFamily="2" charset="-122"/>
               </a:defRPr>
             </a:lvl6pPr>
@@ -3193,7 +3179,7 @@
                 <a:solidFill>
                   <a:schemeClr val="tx1"/>
                 </a:solidFill>
-                <a:latin typeface="Arial" panose="020B0604020202090204" pitchFamily="34" charset="0"/>
+                <a:latin typeface="Arial" panose="020B0604020202020204" pitchFamily="34" charset="0"/>
                 <a:ea typeface="宋体" panose="02010600030101010101" pitchFamily="2" charset="-122"/>
               </a:defRPr>
             </a:lvl7pPr>
@@ -3208,7 +3194,7 @@
                 <a:solidFill>
                   <a:schemeClr val="tx1"/>
                 </a:solidFill>
-                <a:latin typeface="Arial" panose="020B0604020202090204" pitchFamily="34" charset="0"/>
+                <a:latin typeface="Arial" panose="020B0604020202020204" pitchFamily="34" charset="0"/>
                 <a:ea typeface="宋体" panose="02010600030101010101" pitchFamily="2" charset="-122"/>
               </a:defRPr>
             </a:lvl8pPr>
@@ -3223,7 +3209,7 @@
                 <a:solidFill>
                   <a:schemeClr val="tx1"/>
                 </a:solidFill>
-                <a:latin typeface="Arial" panose="020B0604020202090204" pitchFamily="34" charset="0"/>
+                <a:latin typeface="Arial" panose="020B0604020202020204" pitchFamily="34" charset="0"/>
                 <a:ea typeface="宋体" panose="02010600030101010101" pitchFamily="2" charset="-122"/>
               </a:defRPr>
             </a:lvl9pPr>
@@ -3304,6 +3290,7 @@
               <a:rPr lang="zh-CN" altLang="en-US" dirty="0"/>
               <a:t>单击此处编辑母版标题样式</a:t>
             </a:r>
+            <a:endParaRPr lang="zh-CN" altLang="en-US" dirty="0"/>
           </a:p>
         </p:txBody>
       </p:sp>
@@ -3373,6 +3360,7 @@
               <a:rPr lang="zh-CN" altLang="en-US" dirty="0"/>
               <a:t>单击此处编辑母版文本样式</a:t>
             </a:r>
+            <a:endParaRPr lang="zh-CN" altLang="en-US" dirty="0"/>
           </a:p>
           <a:p>
             <a:pPr lvl="1"/>
@@ -3380,6 +3368,7 @@
               <a:rPr lang="zh-CN" altLang="en-US" dirty="0"/>
               <a:t>第二级</a:t>
             </a:r>
+            <a:endParaRPr lang="zh-CN" altLang="en-US" dirty="0"/>
           </a:p>
           <a:p>
             <a:pPr lvl="2"/>
@@ -3387,6 +3376,7 @@
               <a:rPr lang="zh-CN" altLang="en-US" dirty="0"/>
               <a:t>第三级</a:t>
             </a:r>
+            <a:endParaRPr lang="zh-CN" altLang="en-US" dirty="0"/>
           </a:p>
         </p:txBody>
       </p:sp>
@@ -3419,7 +3409,6 @@
             </a:pPr>
             <a:fld id="{E22BC04B-702B-4CBB-87CA-63CD96333525}" type="slidenum">
               <a:rPr lang="zh-CN" altLang="en-US" smtClean="0"/>
-              <a:t>‹#›</a:t>
             </a:fld>
             <a:r>
               <a:rPr lang="en-US" altLang="zh-CN" dirty="0"/>
@@ -3494,6 +3483,7 @@
               <a:rPr lang="zh-CN" altLang="en-US" dirty="0"/>
               <a:t>单击此处编辑母版标题样式</a:t>
             </a:r>
+            <a:endParaRPr lang="zh-CN" altLang="en-US" dirty="0"/>
           </a:p>
         </p:txBody>
       </p:sp>
@@ -3539,11 +3529,11 @@
           <p:nvPr userDrawn="1"/>
         </p:nvPicPr>
         <p:blipFill>
-          <a:blip r:embed="rId10" cstate="print">
+          <a:blip r:embed="rId9" cstate="print">
             <a:extLst>
               <a:ext uri="{BEBA8EAE-BF5A-486C-A8C5-ECC9F3942E4B}">
                 <a14:imgProps xmlns:a14="http://schemas.microsoft.com/office/drawing/2010/main">
-                  <a14:imgLayer r:embed="rId11">
+                  <a14:imgLayer r:embed="rId10">
                     <a14:imgEffect>
                       <a14:brightnessContrast contrast="40000"/>
                     </a14:imgEffect>
@@ -3636,7 +3626,7 @@
                 <a:solidFill>
                   <a:schemeClr val="tx1"/>
                 </a:solidFill>
-                <a:latin typeface="Arial" panose="020B0604020202090204" pitchFamily="34" charset="0"/>
+                <a:latin typeface="Arial" panose="020B0604020202020204" pitchFamily="34" charset="0"/>
                 <a:ea typeface="宋体" panose="02010600030101010101" pitchFamily="2" charset="-122"/>
               </a:defRPr>
             </a:lvl1pPr>
@@ -3645,7 +3635,7 @@
                 <a:solidFill>
                   <a:schemeClr val="tx1"/>
                 </a:solidFill>
-                <a:latin typeface="Arial" panose="020B0604020202090204" pitchFamily="34" charset="0"/>
+                <a:latin typeface="Arial" panose="020B0604020202020204" pitchFamily="34" charset="0"/>
                 <a:ea typeface="宋体" panose="02010600030101010101" pitchFamily="2" charset="-122"/>
               </a:defRPr>
             </a:lvl2pPr>
@@ -3654,7 +3644,7 @@
                 <a:solidFill>
                   <a:schemeClr val="tx1"/>
                 </a:solidFill>
-                <a:latin typeface="Arial" panose="020B0604020202090204" pitchFamily="34" charset="0"/>
+                <a:latin typeface="Arial" panose="020B0604020202020204" pitchFamily="34" charset="0"/>
                 <a:ea typeface="宋体" panose="02010600030101010101" pitchFamily="2" charset="-122"/>
               </a:defRPr>
             </a:lvl3pPr>
@@ -3663,7 +3653,7 @@
                 <a:solidFill>
                   <a:schemeClr val="tx1"/>
                 </a:solidFill>
-                <a:latin typeface="Arial" panose="020B0604020202090204" pitchFamily="34" charset="0"/>
+                <a:latin typeface="Arial" panose="020B0604020202020204" pitchFamily="34" charset="0"/>
                 <a:ea typeface="宋体" panose="02010600030101010101" pitchFamily="2" charset="-122"/>
               </a:defRPr>
             </a:lvl4pPr>
@@ -3672,7 +3662,7 @@
                 <a:solidFill>
                   <a:schemeClr val="tx1"/>
                 </a:solidFill>
-                <a:latin typeface="Arial" panose="020B0604020202090204" pitchFamily="34" charset="0"/>
+                <a:latin typeface="Arial" panose="020B0604020202020204" pitchFamily="34" charset="0"/>
                 <a:ea typeface="宋体" panose="02010600030101010101" pitchFamily="2" charset="-122"/>
               </a:defRPr>
             </a:lvl5pPr>
@@ -3687,7 +3677,7 @@
                 <a:solidFill>
                   <a:schemeClr val="tx1"/>
                 </a:solidFill>
-                <a:latin typeface="Arial" panose="020B0604020202090204" pitchFamily="34" charset="0"/>
+                <a:latin typeface="Arial" panose="020B0604020202020204" pitchFamily="34" charset="0"/>
                 <a:ea typeface="宋体" panose="02010600030101010101" pitchFamily="2" charset="-122"/>
               </a:defRPr>
             </a:lvl6pPr>
@@ -3702,7 +3692,7 @@
                 <a:solidFill>
                   <a:schemeClr val="tx1"/>
                 </a:solidFill>
-                <a:latin typeface="Arial" panose="020B0604020202090204" pitchFamily="34" charset="0"/>
+                <a:latin typeface="Arial" panose="020B0604020202020204" pitchFamily="34" charset="0"/>
                 <a:ea typeface="宋体" panose="02010600030101010101" pitchFamily="2" charset="-122"/>
               </a:defRPr>
             </a:lvl7pPr>
@@ -3717,7 +3707,7 @@
                 <a:solidFill>
                   <a:schemeClr val="tx1"/>
                 </a:solidFill>
-                <a:latin typeface="Arial" panose="020B0604020202090204" pitchFamily="34" charset="0"/>
+                <a:latin typeface="Arial" panose="020B0604020202020204" pitchFamily="34" charset="0"/>
                 <a:ea typeface="宋体" panose="02010600030101010101" pitchFamily="2" charset="-122"/>
               </a:defRPr>
             </a:lvl8pPr>
@@ -3732,7 +3722,7 @@
                 <a:solidFill>
                   <a:schemeClr val="tx1"/>
                 </a:solidFill>
-                <a:latin typeface="Arial" panose="020B0604020202090204" pitchFamily="34" charset="0"/>
+                <a:latin typeface="Arial" panose="020B0604020202020204" pitchFamily="34" charset="0"/>
                 <a:ea typeface="宋体" panose="02010600030101010101" pitchFamily="2" charset="-122"/>
               </a:defRPr>
             </a:lvl9pPr>
@@ -3792,7 +3782,7 @@
                 <a:solidFill>
                   <a:schemeClr val="tx1"/>
                 </a:solidFill>
-                <a:latin typeface="Arial" panose="020B0604020202090204" pitchFamily="34" charset="0"/>
+                <a:latin typeface="Arial" panose="020B0604020202020204" pitchFamily="34" charset="0"/>
                 <a:ea typeface="宋体" panose="02010600030101010101" pitchFamily="2" charset="-122"/>
               </a:defRPr>
             </a:lvl1pPr>
@@ -3801,7 +3791,7 @@
                 <a:solidFill>
                   <a:schemeClr val="tx1"/>
                 </a:solidFill>
-                <a:latin typeface="Arial" panose="020B0604020202090204" pitchFamily="34" charset="0"/>
+                <a:latin typeface="Arial" panose="020B0604020202020204" pitchFamily="34" charset="0"/>
                 <a:ea typeface="宋体" panose="02010600030101010101" pitchFamily="2" charset="-122"/>
               </a:defRPr>
             </a:lvl2pPr>
@@ -3810,7 +3800,7 @@
                 <a:solidFill>
                   <a:schemeClr val="tx1"/>
                 </a:solidFill>
-                <a:latin typeface="Arial" panose="020B0604020202090204" pitchFamily="34" charset="0"/>
+                <a:latin typeface="Arial" panose="020B0604020202020204" pitchFamily="34" charset="0"/>
                 <a:ea typeface="宋体" panose="02010600030101010101" pitchFamily="2" charset="-122"/>
               </a:defRPr>
             </a:lvl3pPr>
@@ -3819,7 +3809,7 @@
                 <a:solidFill>
                   <a:schemeClr val="tx1"/>
                 </a:solidFill>
-                <a:latin typeface="Arial" panose="020B0604020202090204" pitchFamily="34" charset="0"/>
+                <a:latin typeface="Arial" panose="020B0604020202020204" pitchFamily="34" charset="0"/>
                 <a:ea typeface="宋体" panose="02010600030101010101" pitchFamily="2" charset="-122"/>
               </a:defRPr>
             </a:lvl4pPr>
@@ -3828,7 +3818,7 @@
                 <a:solidFill>
                   <a:schemeClr val="tx1"/>
                 </a:solidFill>
-                <a:latin typeface="Arial" panose="020B0604020202090204" pitchFamily="34" charset="0"/>
+                <a:latin typeface="Arial" panose="020B0604020202020204" pitchFamily="34" charset="0"/>
                 <a:ea typeface="宋体" panose="02010600030101010101" pitchFamily="2" charset="-122"/>
               </a:defRPr>
             </a:lvl5pPr>
@@ -3843,7 +3833,7 @@
                 <a:solidFill>
                   <a:schemeClr val="tx1"/>
                 </a:solidFill>
-                <a:latin typeface="Arial" panose="020B0604020202090204" pitchFamily="34" charset="0"/>
+                <a:latin typeface="Arial" panose="020B0604020202020204" pitchFamily="34" charset="0"/>
                 <a:ea typeface="宋体" panose="02010600030101010101" pitchFamily="2" charset="-122"/>
               </a:defRPr>
             </a:lvl6pPr>
@@ -3858,7 +3848,7 @@
                 <a:solidFill>
                   <a:schemeClr val="tx1"/>
                 </a:solidFill>
-                <a:latin typeface="Arial" panose="020B0604020202090204" pitchFamily="34" charset="0"/>
+                <a:latin typeface="Arial" panose="020B0604020202020204" pitchFamily="34" charset="0"/>
                 <a:ea typeface="宋体" panose="02010600030101010101" pitchFamily="2" charset="-122"/>
               </a:defRPr>
             </a:lvl7pPr>
@@ -3873,7 +3863,7 @@
                 <a:solidFill>
                   <a:schemeClr val="tx1"/>
                 </a:solidFill>
-                <a:latin typeface="Arial" panose="020B0604020202090204" pitchFamily="34" charset="0"/>
+                <a:latin typeface="Arial" panose="020B0604020202020204" pitchFamily="34" charset="0"/>
                 <a:ea typeface="宋体" panose="02010600030101010101" pitchFamily="2" charset="-122"/>
               </a:defRPr>
             </a:lvl8pPr>
@@ -3888,7 +3878,7 @@
                 <a:solidFill>
                   <a:schemeClr val="tx1"/>
                 </a:solidFill>
-                <a:latin typeface="Arial" panose="020B0604020202090204" pitchFamily="34" charset="0"/>
+                <a:latin typeface="Arial" panose="020B0604020202020204" pitchFamily="34" charset="0"/>
                 <a:ea typeface="宋体" panose="02010600030101010101" pitchFamily="2" charset="-122"/>
               </a:defRPr>
             </a:lvl9pPr>
@@ -3955,7 +3945,7 @@
                 <a:solidFill>
                   <a:schemeClr val="tx1"/>
                 </a:solidFill>
-                <a:latin typeface="Arial" panose="020B0604020202090204" pitchFamily="34" charset="0"/>
+                <a:latin typeface="Arial" panose="020B0604020202020204" pitchFamily="34" charset="0"/>
                 <a:ea typeface="宋体" panose="02010600030101010101" pitchFamily="2" charset="-122"/>
               </a:defRPr>
             </a:lvl1pPr>
@@ -3964,7 +3954,7 @@
                 <a:solidFill>
                   <a:schemeClr val="tx1"/>
                 </a:solidFill>
-                <a:latin typeface="Arial" panose="020B0604020202090204" pitchFamily="34" charset="0"/>
+                <a:latin typeface="Arial" panose="020B0604020202020204" pitchFamily="34" charset="0"/>
                 <a:ea typeface="宋体" panose="02010600030101010101" pitchFamily="2" charset="-122"/>
               </a:defRPr>
             </a:lvl2pPr>
@@ -3973,7 +3963,7 @@
                 <a:solidFill>
                   <a:schemeClr val="tx1"/>
                 </a:solidFill>
-                <a:latin typeface="Arial" panose="020B0604020202090204" pitchFamily="34" charset="0"/>
+                <a:latin typeface="Arial" panose="020B0604020202020204" pitchFamily="34" charset="0"/>
                 <a:ea typeface="宋体" panose="02010600030101010101" pitchFamily="2" charset="-122"/>
               </a:defRPr>
             </a:lvl3pPr>
@@ -3982,7 +3972,7 @@
                 <a:solidFill>
                   <a:schemeClr val="tx1"/>
                 </a:solidFill>
-                <a:latin typeface="Arial" panose="020B0604020202090204" pitchFamily="34" charset="0"/>
+                <a:latin typeface="Arial" panose="020B0604020202020204" pitchFamily="34" charset="0"/>
                 <a:ea typeface="宋体" panose="02010600030101010101" pitchFamily="2" charset="-122"/>
               </a:defRPr>
             </a:lvl4pPr>
@@ -3991,7 +3981,7 @@
                 <a:solidFill>
                   <a:schemeClr val="tx1"/>
                 </a:solidFill>
-                <a:latin typeface="Arial" panose="020B0604020202090204" pitchFamily="34" charset="0"/>
+                <a:latin typeface="Arial" panose="020B0604020202020204" pitchFamily="34" charset="0"/>
                 <a:ea typeface="宋体" panose="02010600030101010101" pitchFamily="2" charset="-122"/>
               </a:defRPr>
             </a:lvl5pPr>
@@ -4006,7 +3996,7 @@
                 <a:solidFill>
                   <a:schemeClr val="tx1"/>
                 </a:solidFill>
-                <a:latin typeface="Arial" panose="020B0604020202090204" pitchFamily="34" charset="0"/>
+                <a:latin typeface="Arial" panose="020B0604020202020204" pitchFamily="34" charset="0"/>
                 <a:ea typeface="宋体" panose="02010600030101010101" pitchFamily="2" charset="-122"/>
               </a:defRPr>
             </a:lvl6pPr>
@@ -4021,7 +4011,7 @@
                 <a:solidFill>
                   <a:schemeClr val="tx1"/>
                 </a:solidFill>
-                <a:latin typeface="Arial" panose="020B0604020202090204" pitchFamily="34" charset="0"/>
+                <a:latin typeface="Arial" panose="020B0604020202020204" pitchFamily="34" charset="0"/>
                 <a:ea typeface="宋体" panose="02010600030101010101" pitchFamily="2" charset="-122"/>
               </a:defRPr>
             </a:lvl7pPr>
@@ -4036,7 +4026,7 @@
                 <a:solidFill>
                   <a:schemeClr val="tx1"/>
                 </a:solidFill>
-                <a:latin typeface="Arial" panose="020B0604020202090204" pitchFamily="34" charset="0"/>
+                <a:latin typeface="Arial" panose="020B0604020202020204" pitchFamily="34" charset="0"/>
                 <a:ea typeface="宋体" panose="02010600030101010101" pitchFamily="2" charset="-122"/>
               </a:defRPr>
             </a:lvl8pPr>
@@ -4051,7 +4041,7 @@
                 <a:solidFill>
                   <a:schemeClr val="tx1"/>
                 </a:solidFill>
-                <a:latin typeface="Arial" panose="020B0604020202090204" pitchFamily="34" charset="0"/>
+                <a:latin typeface="Arial" panose="020B0604020202020204" pitchFamily="34" charset="0"/>
                 <a:ea typeface="宋体" panose="02010600030101010101" pitchFamily="2" charset="-122"/>
               </a:defRPr>
             </a:lvl9pPr>
@@ -4065,7 +4055,6 @@
                 <a:latin typeface="Calibri" panose="020F0502020204030204" pitchFamily="34" charset="0"/>
                 <a:sym typeface="宋体" panose="02010600030101010101" pitchFamily="2" charset="-122"/>
               </a:rPr>
-              <a:t>‹#›</a:t>
             </a:fld>
             <a:r>
               <a:rPr lang="zh-CN" altLang="en-US" sz="1600" dirty="0">
@@ -4097,7 +4086,7 @@
           <p:nvPr userDrawn="1"/>
         </p:nvPicPr>
         <p:blipFill>
-          <a:blip r:embed="rId12" cstate="print">
+          <a:blip r:embed="rId11" cstate="print">
             <a:extLst>
               <a:ext uri="{28A0092B-C50C-407E-A947-70E740481C1C}">
                 <a14:useLocalDpi xmlns:a14="http://schemas.microsoft.com/office/drawing/2010/main" val="0"/>
@@ -4341,7 +4330,7 @@
         <a:spcAft>
           <a:spcPct val="0"/>
         </a:spcAft>
-        <a:buFont typeface="Arial" panose="020B0604020202090204" pitchFamily="34" charset="0"/>
+        <a:buFont typeface="Arial" panose="020B0604020202020204" pitchFamily="34" charset="0"/>
         <a:buChar char="•"/>
         <a:defRPr sz="2800" kern="1200">
           <a:solidFill>
@@ -4363,7 +4352,7 @@
         <a:spcAft>
           <a:spcPct val="0"/>
         </a:spcAft>
-        <a:buFont typeface="Arial" panose="020B0604020202090204" pitchFamily="34" charset="0"/>
+        <a:buFont typeface="Arial" panose="020B0604020202020204" pitchFamily="34" charset="0"/>
         <a:buChar char="•"/>
         <a:defRPr sz="2400" kern="1200">
           <a:solidFill>
@@ -4385,7 +4374,7 @@
         <a:spcAft>
           <a:spcPct val="0"/>
         </a:spcAft>
-        <a:buFont typeface="Arial" panose="020B0604020202090204" pitchFamily="34" charset="0"/>
+        <a:buFont typeface="Arial" panose="020B0604020202020204" pitchFamily="34" charset="0"/>
         <a:buChar char="•"/>
         <a:defRPr sz="2000" kern="1200">
           <a:solidFill>
@@ -4407,7 +4396,7 @@
         <a:spcAft>
           <a:spcPct val="0"/>
         </a:spcAft>
-        <a:buFont typeface="Arial" panose="020B0604020202090204" pitchFamily="34" charset="0"/>
+        <a:buFont typeface="Arial" panose="020B0604020202020204" pitchFamily="34" charset="0"/>
         <a:buChar char="•"/>
         <a:defRPr kern="1200">
           <a:solidFill>
@@ -4429,7 +4418,7 @@
         <a:spcAft>
           <a:spcPct val="0"/>
         </a:spcAft>
-        <a:buFont typeface="Arial" panose="020B0604020202090204" pitchFamily="34" charset="0"/>
+        <a:buFont typeface="Arial" panose="020B0604020202020204" pitchFamily="34" charset="0"/>
         <a:buChar char="•"/>
         <a:defRPr kern="1200">
           <a:solidFill>
@@ -4448,7 +4437,7 @@
         <a:spcBef>
           <a:spcPts val="500"/>
         </a:spcBef>
-        <a:buFont typeface="Arial" panose="020B0604020202090204" pitchFamily="34" charset="0"/>
+        <a:buFont typeface="Arial" panose="020B0604020202020204" pitchFamily="34" charset="0"/>
         <a:buChar char="•"/>
         <a:defRPr sz="1800" kern="1200">
           <a:solidFill>
@@ -4466,7 +4455,7 @@
         <a:spcBef>
           <a:spcPts val="500"/>
         </a:spcBef>
-        <a:buFont typeface="Arial" panose="020B0604020202090204" pitchFamily="34" charset="0"/>
+        <a:buFont typeface="Arial" panose="020B0604020202020204" pitchFamily="34" charset="0"/>
         <a:buChar char="•"/>
         <a:defRPr sz="1800" kern="1200">
           <a:solidFill>
@@ -4484,7 +4473,7 @@
         <a:spcBef>
           <a:spcPts val="500"/>
         </a:spcBef>
-        <a:buFont typeface="Arial" panose="020B0604020202090204" pitchFamily="34" charset="0"/>
+        <a:buFont typeface="Arial" panose="020B0604020202020204" pitchFamily="34" charset="0"/>
         <a:buChar char="•"/>
         <a:defRPr sz="1800" kern="1200">
           <a:solidFill>
@@ -4502,7 +4491,7 @@
         <a:spcBef>
           <a:spcPts val="500"/>
         </a:spcBef>
-        <a:buFont typeface="Arial" panose="020B0604020202090204" pitchFamily="34" charset="0"/>
+        <a:buFont typeface="Arial" panose="020B0604020202020204" pitchFamily="34" charset="0"/>
         <a:buChar char="•"/>
         <a:defRPr sz="1800" kern="1200">
           <a:solidFill>
@@ -4676,6 +4665,11 @@
               </a:rPr>
               <a:t>反向解析</a:t>
             </a:r>
+            <a:endParaRPr lang="zh-CN" altLang="en-US" sz="3200" dirty="0">
+              <a:solidFill>
+                <a:schemeClr val="tx1"/>
+              </a:solidFill>
+            </a:endParaRPr>
           </a:p>
         </p:txBody>
       </p:sp>
@@ -4702,8 +4696,24 @@
                 <a:cs typeface="+mj-cs"/>
                 <a:sym typeface="Browallia New" panose="020B0604020202020204" charset="0"/>
               </a:rPr>
-              <a:t>张帅</a:t>
-            </a:r>
+              <a:t>万家吉</a:t>
+            </a:r>
+            <a:endParaRPr lang="zh-CN" altLang="en-US" sz="2000" dirty="0">
+              <a:solidFill>
+                <a:schemeClr val="tx1"/>
+              </a:solidFill>
+              <a:cs typeface="+mj-cs"/>
+              <a:sym typeface="Browallia New" panose="020B0604020202020204" charset="0"/>
+            </a:endParaRPr>
+          </a:p>
+          <a:p>
+            <a:endParaRPr lang="zh-CN" altLang="en-US" sz="2000" dirty="0">
+              <a:solidFill>
+                <a:schemeClr val="tx1"/>
+              </a:solidFill>
+              <a:cs typeface="+mj-cs"/>
+              <a:sym typeface="Browallia New" panose="020B0604020202020204" charset="0"/>
+            </a:endParaRPr>
           </a:p>
         </p:txBody>
       </p:sp>
@@ -4712,11 +4722,11 @@
   <p:clrMapOvr>
     <a:masterClrMapping/>
   </p:clrMapOvr>
-  <mc:AlternateContent xmlns:mc="http://schemas.openxmlformats.org/markup-compatibility/2006" xmlns:p14="http://schemas.microsoft.com/office/powerpoint/2010/main">
-    <mc:Choice Requires="p14">
+  <mc:AlternateContent xmlns:mc="http://schemas.openxmlformats.org/markup-compatibility/2006">
+    <mc:Choice xmlns:p14="http://schemas.microsoft.com/office/powerpoint/2010/main" Requires="p14">
       <p:transition spd="slow" p14:dur="2000" advTm="964"/>
     </mc:Choice>
-    <mc:Fallback xmlns="">
+    <mc:Fallback>
       <p:transition spd="slow" advTm="964"/>
     </mc:Fallback>
   </mc:AlternateContent>
@@ -4781,18 +4791,16 @@
               </a:rPr>
               <a:t>反向解析？</a:t>
             </a:r>
+            <a:endParaRPr lang="zh-CN" altLang="en-US" dirty="0">
+              <a:latin typeface="华文中宋" panose="02010600040101010101" pitchFamily="2" charset="-122"/>
+              <a:ea typeface="华文中宋" panose="02010600040101010101" pitchFamily="2" charset="-122"/>
+            </a:endParaRPr>
           </a:p>
         </p:txBody>
       </p:sp>
       <p:sp>
         <p:nvSpPr>
-          <p:cNvPr id="3" name="文本框 2">
-            <a:extLst>
-              <a:ext uri="{FF2B5EF4-FFF2-40B4-BE49-F238E27FC236}">
-                <a16:creationId xmlns:a16="http://schemas.microsoft.com/office/drawing/2014/main" id="{01C3AE5E-DEC3-44C3-B9A1-1734482CEE4F}"/>
-              </a:ext>
-            </a:extLst>
-          </p:cNvPr>
+          <p:cNvPr id="3" name="文本框 2"/>
           <p:cNvSpPr txBox="1"/>
           <p:nvPr/>
         </p:nvSpPr>
@@ -4853,6 +4861,7 @@
               <a:rPr lang="en-US" altLang="zh-CN" dirty="0"/>
               <a:t>               </a:t>
             </a:r>
+            <a:endParaRPr lang="en-US" altLang="zh-CN" dirty="0"/>
           </a:p>
         </p:txBody>
       </p:sp>
@@ -5111,6 +5120,10 @@
               </a:rPr>
               <a:t>反向解析安装部署</a:t>
             </a:r>
+            <a:endParaRPr lang="zh-CN" altLang="en-US" dirty="0">
+              <a:latin typeface="华文中宋" panose="02010600040101010101" pitchFamily="2" charset="-122"/>
+              <a:ea typeface="华文中宋" panose="02010600040101010101" pitchFamily="2" charset="-122"/>
+            </a:endParaRPr>
           </a:p>
         </p:txBody>
       </p:sp>
@@ -5234,6 +5247,13 @@
               </a:rPr>
               <a:t> bind-chroot bind-libs</a:t>
             </a:r>
+            <a:endParaRPr kumimoji="1" lang="en-US" altLang="zh-CN" sz="1600" dirty="0">
+              <a:solidFill>
+                <a:srgbClr val="FF0000"/>
+              </a:solidFill>
+              <a:latin typeface="华文中宋" panose="02010600040101010101" pitchFamily="2" charset="-122"/>
+              <a:ea typeface="华文中宋" panose="02010600040101010101" pitchFamily="2" charset="-122"/>
+            </a:endParaRPr>
           </a:p>
           <a:p>
             <a:pPr algn="l">
@@ -5619,6 +5639,7 @@
               <a:rPr lang="zh-CN" altLang="en-US" dirty="0"/>
               <a:t>编辑区域配置文件</a:t>
             </a:r>
+            <a:endParaRPr lang="zh-CN" altLang="en-US" dirty="0"/>
           </a:p>
         </p:txBody>
       </p:sp>
@@ -5686,6 +5707,13 @@
               </a:rPr>
               <a:t>/named.rfc1912.zones </a:t>
             </a:r>
+            <a:endParaRPr lang="en-US" altLang="zh-CN" sz="2000" dirty="0">
+              <a:solidFill>
+                <a:srgbClr val="FF0000"/>
+              </a:solidFill>
+              <a:latin typeface="华文中宋" panose="02010600040101010101" pitchFamily="2" charset="-122"/>
+              <a:ea typeface="华文中宋" panose="02010600040101010101" pitchFamily="2" charset="-122"/>
+            </a:endParaRPr>
           </a:p>
           <a:p>
             <a:pPr algn="l">
@@ -5878,6 +5906,10 @@
               </a:rPr>
               <a:t>};</a:t>
             </a:r>
+            <a:endParaRPr lang="en-US" altLang="zh-CN" sz="2000" dirty="0">
+              <a:latin typeface="华文中宋" panose="02010600040101010101" pitchFamily="2" charset="-122"/>
+              <a:ea typeface="华文中宋" panose="02010600040101010101" pitchFamily="2" charset="-122"/>
+            </a:endParaRPr>
           </a:p>
         </p:txBody>
       </p:sp>
@@ -5930,6 +5962,7 @@
               <a:rPr lang="zh-CN" altLang="en-US" dirty="0"/>
               <a:t>编辑数据配置文件</a:t>
             </a:r>
+            <a:endParaRPr lang="zh-CN" altLang="en-US" dirty="0"/>
           </a:p>
         </p:txBody>
       </p:sp>
@@ -6058,6 +6091,13 @@
               </a:rPr>
               <a:t>cd /var/named/</a:t>
             </a:r>
+            <a:endParaRPr kumimoji="1" lang="en-US" altLang="zh-CN" dirty="0">
+              <a:solidFill>
+                <a:srgbClr val="FF0000"/>
+              </a:solidFill>
+              <a:latin typeface="华文中宋" panose="02010600040101010101" pitchFamily="2" charset="-122"/>
+              <a:ea typeface="华文中宋" panose="02010600040101010101" pitchFamily="2" charset="-122"/>
+            </a:endParaRPr>
           </a:p>
           <a:p>
             <a:pPr algn="l">
@@ -6082,6 +6122,13 @@
               </a:rPr>
               <a:t>ls</a:t>
             </a:r>
+            <a:endParaRPr kumimoji="1" lang="en-US" altLang="zh-CN" dirty="0">
+              <a:solidFill>
+                <a:srgbClr val="FF0000"/>
+              </a:solidFill>
+              <a:latin typeface="华文中宋" panose="02010600040101010101" pitchFamily="2" charset="-122"/>
+              <a:ea typeface="华文中宋" panose="02010600040101010101" pitchFamily="2" charset="-122"/>
+            </a:endParaRPr>
           </a:p>
           <a:p>
             <a:pPr algn="l">
@@ -6106,6 +6153,13 @@
               </a:rPr>
               <a:t>cp -a named.localhost  wg.com.arpa</a:t>
             </a:r>
+            <a:endParaRPr kumimoji="1" lang="pt-BR" altLang="zh-CN" dirty="0">
+              <a:solidFill>
+                <a:srgbClr val="FF0000"/>
+              </a:solidFill>
+              <a:latin typeface="华文中宋" panose="02010600040101010101" pitchFamily="2" charset="-122"/>
+              <a:ea typeface="华文中宋" panose="02010600040101010101" pitchFamily="2" charset="-122"/>
+            </a:endParaRPr>
           </a:p>
           <a:p>
             <a:pPr algn="l">
@@ -6147,13 +6201,7 @@
       </p:grpSpPr>
       <p:sp>
         <p:nvSpPr>
-          <p:cNvPr id="2" name="标题 1">
-            <a:extLst>
-              <a:ext uri="{FF2B5EF4-FFF2-40B4-BE49-F238E27FC236}">
-                <a16:creationId xmlns:a16="http://schemas.microsoft.com/office/drawing/2014/main" id="{9C505F35-3CC0-4172-9AF2-422A951352B4}"/>
-              </a:ext>
-            </a:extLst>
-          </p:cNvPr>
+          <p:cNvPr id="2" name="标题 1"/>
           <p:cNvSpPr>
             <a:spLocks noGrp="1"/>
           </p:cNvSpPr>
@@ -6187,13 +6235,7 @@
       </p:sp>
       <p:sp>
         <p:nvSpPr>
-          <p:cNvPr id="4" name="副标题 3">
-            <a:extLst>
-              <a:ext uri="{FF2B5EF4-FFF2-40B4-BE49-F238E27FC236}">
-                <a16:creationId xmlns:a16="http://schemas.microsoft.com/office/drawing/2014/main" id="{47B437AB-27DA-4138-BA8B-F2DD58CB611A}"/>
-              </a:ext>
-            </a:extLst>
-          </p:cNvPr>
+          <p:cNvPr id="4" name="副标题 3"/>
           <p:cNvSpPr>
             <a:spLocks noGrp="1"/>
           </p:cNvSpPr>
@@ -6300,6 +6342,13 @@
               </a:rPr>
               <a:t> </a:t>
             </a:r>
+            <a:endParaRPr lang="en-US" altLang="zh-CN" b="0" dirty="0">
+              <a:solidFill>
+                <a:srgbClr val="FF0000"/>
+              </a:solidFill>
+              <a:latin typeface="华文中宋" panose="02010600040101010101" pitchFamily="2" charset="-122"/>
+              <a:ea typeface="华文中宋" panose="02010600040101010101" pitchFamily="2" charset="-122"/>
+            </a:endParaRPr>
           </a:p>
           <a:p>
             <a:endParaRPr lang="en-US" altLang="zh-CN" b="0" dirty="0"/>
@@ -6314,20 +6363,14 @@
       </p:sp>
       <p:pic>
         <p:nvPicPr>
-          <p:cNvPr id="5" name="图片 4">
-            <a:extLst>
-              <a:ext uri="{FF2B5EF4-FFF2-40B4-BE49-F238E27FC236}">
-                <a16:creationId xmlns:a16="http://schemas.microsoft.com/office/drawing/2014/main" id="{8B4FFC6B-28DC-4213-AEC0-DFCB717F2562}"/>
-              </a:ext>
-            </a:extLst>
-          </p:cNvPr>
+          <p:cNvPr id="5" name="图片 4"/>
           <p:cNvPicPr>
             <a:picLocks noChangeAspect="1"/>
           </p:cNvPicPr>
           <p:nvPr/>
         </p:nvPicPr>
         <p:blipFill>
-          <a:blip r:embed="rId2"/>
+          <a:blip r:embed="rId1"/>
           <a:stretch>
             <a:fillRect/>
           </a:stretch>
@@ -6343,11 +6386,6 @@
         </p:spPr>
       </p:pic>
     </p:spTree>
-    <p:extLst>
-      <p:ext uri="{BB962C8B-B14F-4D97-AF65-F5344CB8AC3E}">
-        <p14:creationId xmlns:p14="http://schemas.microsoft.com/office/powerpoint/2010/main" val="1268915643"/>
-      </p:ext>
-    </p:extLst>
   </p:cSld>
   <p:clrMapOvr>
     <a:masterClrMapping/>
@@ -6396,21 +6434,14 @@
               <a:rPr lang="zh-CN" altLang="en-US" dirty="0"/>
               <a:t>测试</a:t>
             </a:r>
+            <a:endParaRPr lang="zh-CN" altLang="en-US" dirty="0"/>
           </a:p>
         </p:txBody>
       </p:sp>
       <p:sp>
         <p:nvSpPr>
-          <p:cNvPr id="10" name="标题 1">
-            <a:extLst>
-              <a:ext uri="{FF2B5EF4-FFF2-40B4-BE49-F238E27FC236}">
-                <a16:creationId xmlns:a16="http://schemas.microsoft.com/office/drawing/2014/main" id="{FE8205D9-0FD0-4D3E-B795-A114D070AA21}"/>
-              </a:ext>
-            </a:extLst>
-          </p:cNvPr>
-          <p:cNvSpPr txBox="1">
-            <a:spLocks/>
-          </p:cNvSpPr>
+          <p:cNvPr id="10" name="标题 1"/>
+          <p:cNvSpPr txBox="1"/>
           <p:nvPr/>
         </p:nvSpPr>
         <p:spPr>
@@ -6795,43 +6826,6 @@
               </a:rPr>
               <a:t>IP</a:t>
             </a:r>
-          </a:p>
-          <a:p>
-            <a:pPr algn="l">
-              <a:lnSpc>
-                <a:spcPct val="150000"/>
-              </a:lnSpc>
-            </a:pPr>
-            <a:r>
-              <a:rPr lang="zh-CN" altLang="en-US" sz="1600" dirty="0">
-                <a:solidFill>
-                  <a:schemeClr val="tx1"/>
-                </a:solidFill>
-                <a:latin typeface="华文中宋" panose="02010600040101010101" pitchFamily="2" charset="-122"/>
-                <a:ea typeface="华文中宋" panose="02010600040101010101" pitchFamily="2" charset="-122"/>
-              </a:rPr>
-              <a:t>地址的解析记录，进而确定检测</a:t>
-            </a:r>
-            <a:r>
-              <a:rPr lang="en-US" altLang="zh-CN" sz="1600" dirty="0">
-                <a:solidFill>
-                  <a:schemeClr val="tx1"/>
-                </a:solidFill>
-                <a:latin typeface="华文中宋" panose="02010600040101010101" pitchFamily="2" charset="-122"/>
-                <a:ea typeface="华文中宋" panose="02010600040101010101" pitchFamily="2" charset="-122"/>
-              </a:rPr>
-              <a:t>DNS</a:t>
-            </a:r>
-            <a:r>
-              <a:rPr lang="zh-CN" altLang="en-US" sz="1600" dirty="0">
-                <a:solidFill>
-                  <a:schemeClr val="tx1"/>
-                </a:solidFill>
-                <a:latin typeface="华文中宋" panose="02010600040101010101" pitchFamily="2" charset="-122"/>
-                <a:ea typeface="华文中宋" panose="02010600040101010101" pitchFamily="2" charset="-122"/>
-              </a:rPr>
-              <a:t>服务器是否已经正常为用户提供服</a:t>
-            </a:r>
             <a:endParaRPr lang="en-US" altLang="zh-CN" sz="1600" dirty="0">
               <a:solidFill>
                 <a:schemeClr val="tx1"/>
@@ -6854,7 +6848,27 @@
                 <a:latin typeface="华文中宋" panose="02010600040101010101" pitchFamily="2" charset="-122"/>
                 <a:ea typeface="华文中宋" panose="02010600040101010101" pitchFamily="2" charset="-122"/>
               </a:rPr>
-              <a:t>务。</a:t>
+              <a:t>地址的解析记录，进而确定检测</a:t>
+            </a:r>
+            <a:r>
+              <a:rPr lang="en-US" altLang="zh-CN" sz="1600" dirty="0">
+                <a:solidFill>
+                  <a:schemeClr val="tx1"/>
+                </a:solidFill>
+                <a:latin typeface="华文中宋" panose="02010600040101010101" pitchFamily="2" charset="-122"/>
+                <a:ea typeface="华文中宋" panose="02010600040101010101" pitchFamily="2" charset="-122"/>
+              </a:rPr>
+              <a:t>DNS</a:t>
+            </a:r>
+            <a:r>
+              <a:rPr lang="zh-CN" altLang="en-US" sz="1600" dirty="0">
+                <a:solidFill>
+                  <a:schemeClr val="tx1"/>
+                </a:solidFill>
+                <a:latin typeface="华文中宋" panose="02010600040101010101" pitchFamily="2" charset="-122"/>
+                <a:ea typeface="华文中宋" panose="02010600040101010101" pitchFamily="2" charset="-122"/>
+              </a:rPr>
+              <a:t>服务器是否已经正常为用户提供服</a:t>
             </a:r>
             <a:endParaRPr lang="en-US" altLang="zh-CN" sz="1600" dirty="0">
               <a:solidFill>
@@ -6878,27 +6892,7 @@
                 <a:latin typeface="华文中宋" panose="02010600040101010101" pitchFamily="2" charset="-122"/>
                 <a:ea typeface="华文中宋" panose="02010600040101010101" pitchFamily="2" charset="-122"/>
               </a:rPr>
-              <a:t>启动</a:t>
-            </a:r>
-            <a:r>
-              <a:rPr lang="en-US" altLang="zh-CN" sz="1600" dirty="0">
-                <a:solidFill>
-                  <a:schemeClr val="tx1"/>
-                </a:solidFill>
-                <a:latin typeface="华文中宋" panose="02010600040101010101" pitchFamily="2" charset="-122"/>
-                <a:ea typeface="华文中宋" panose="02010600040101010101" pitchFamily="2" charset="-122"/>
-              </a:rPr>
-              <a:t>named</a:t>
-            </a:r>
-            <a:r>
-              <a:rPr lang="zh-CN" altLang="en-US" sz="1600" dirty="0">
-                <a:solidFill>
-                  <a:schemeClr val="tx1"/>
-                </a:solidFill>
-                <a:latin typeface="华文中宋" panose="02010600040101010101" pitchFamily="2" charset="-122"/>
-                <a:ea typeface="华文中宋" panose="02010600040101010101" pitchFamily="2" charset="-122"/>
-              </a:rPr>
-              <a:t>服务：</a:t>
+              <a:t>务。</a:t>
             </a:r>
             <a:endParaRPr lang="en-US" altLang="zh-CN" sz="1600" dirty="0">
               <a:solidFill>
@@ -6915,6 +6909,50 @@
               </a:lnSpc>
             </a:pPr>
             <a:r>
+              <a:rPr lang="zh-CN" altLang="en-US" sz="1600" dirty="0">
+                <a:solidFill>
+                  <a:schemeClr val="tx1"/>
+                </a:solidFill>
+                <a:latin typeface="华文中宋" panose="02010600040101010101" pitchFamily="2" charset="-122"/>
+                <a:ea typeface="华文中宋" panose="02010600040101010101" pitchFamily="2" charset="-122"/>
+              </a:rPr>
+              <a:t>启动</a:t>
+            </a:r>
+            <a:r>
+              <a:rPr lang="en-US" altLang="zh-CN" sz="1600" dirty="0">
+                <a:solidFill>
+                  <a:schemeClr val="tx1"/>
+                </a:solidFill>
+                <a:latin typeface="华文中宋" panose="02010600040101010101" pitchFamily="2" charset="-122"/>
+                <a:ea typeface="华文中宋" panose="02010600040101010101" pitchFamily="2" charset="-122"/>
+              </a:rPr>
+              <a:t>named</a:t>
+            </a:r>
+            <a:r>
+              <a:rPr lang="zh-CN" altLang="en-US" sz="1600" dirty="0">
+                <a:solidFill>
+                  <a:schemeClr val="tx1"/>
+                </a:solidFill>
+                <a:latin typeface="华文中宋" panose="02010600040101010101" pitchFamily="2" charset="-122"/>
+                <a:ea typeface="华文中宋" panose="02010600040101010101" pitchFamily="2" charset="-122"/>
+              </a:rPr>
+              <a:t>服务：</a:t>
+            </a:r>
+            <a:endParaRPr lang="en-US" altLang="zh-CN" sz="1600" dirty="0">
+              <a:solidFill>
+                <a:schemeClr val="tx1"/>
+              </a:solidFill>
+              <a:latin typeface="华文中宋" panose="02010600040101010101" pitchFamily="2" charset="-122"/>
+              <a:ea typeface="华文中宋" panose="02010600040101010101" pitchFamily="2" charset="-122"/>
+            </a:endParaRPr>
+          </a:p>
+          <a:p>
+            <a:pPr algn="l">
+              <a:lnSpc>
+                <a:spcPct val="150000"/>
+              </a:lnSpc>
+            </a:pPr>
+            <a:r>
               <a:rPr lang="en-US" altLang="zh-CN" dirty="0">
                 <a:solidFill>
                   <a:schemeClr val="tx1"/>
@@ -6934,6 +6972,13 @@
               </a:rPr>
               <a:t>service  named  restart</a:t>
             </a:r>
+            <a:endParaRPr lang="en-US" altLang="zh-CN" sz="1600" dirty="0">
+              <a:solidFill>
+                <a:srgbClr val="FF0000"/>
+              </a:solidFill>
+              <a:latin typeface="华文中宋" panose="02010600040101010101" pitchFamily="2" charset="-122"/>
+              <a:ea typeface="华文中宋" panose="02010600040101010101" pitchFamily="2" charset="-122"/>
+            </a:endParaRPr>
           </a:p>
           <a:p>
             <a:pPr algn="l">
@@ -6956,20 +7001,14 @@
       </p:sp>
       <p:pic>
         <p:nvPicPr>
-          <p:cNvPr id="3" name="图片 2">
-            <a:extLst>
-              <a:ext uri="{FF2B5EF4-FFF2-40B4-BE49-F238E27FC236}">
-                <a16:creationId xmlns:a16="http://schemas.microsoft.com/office/drawing/2014/main" id="{E81FE7E4-EF9C-490F-B234-7857DA402227}"/>
-              </a:ext>
-            </a:extLst>
-          </p:cNvPr>
+          <p:cNvPr id="3" name="图片 2"/>
           <p:cNvPicPr>
             <a:picLocks noChangeAspect="1"/>
           </p:cNvPicPr>
           <p:nvPr/>
         </p:nvPicPr>
         <p:blipFill>
-          <a:blip r:embed="rId3"/>
+          <a:blip r:embed="rId1"/>
           <a:stretch>
             <a:fillRect/>
           </a:stretch>
@@ -7018,7 +7057,7 @@
           <p:nvPr/>
         </p:nvPicPr>
         <p:blipFill>
-          <a:blip r:embed="rId2" cstate="print">
+          <a:blip r:embed="rId1" cstate="print">
             <a:extLst>
               <a:ext uri="{28A0092B-C50C-407E-A947-70E740481C1C}">
                 <a14:useLocalDpi xmlns:a14="http://schemas.microsoft.com/office/drawing/2010/main" val="0"/>
@@ -7414,7 +7453,7 @@
                 <a:solidFill>
                   <a:schemeClr val="tx1"/>
                 </a:solidFill>
-                <a:latin typeface="Arial" panose="020B0604020202090204" pitchFamily="34" charset="0"/>
+                <a:latin typeface="Arial" panose="020B0604020202020204" pitchFamily="34" charset="0"/>
               </a:defRPr>
             </a:lvl1pPr>
             <a:lvl2pPr>
@@ -7422,7 +7461,7 @@
                 <a:solidFill>
                   <a:schemeClr val="tx1"/>
                 </a:solidFill>
-                <a:latin typeface="Arial" panose="020B0604020202090204" pitchFamily="34" charset="0"/>
+                <a:latin typeface="Arial" panose="020B0604020202020204" pitchFamily="34" charset="0"/>
               </a:defRPr>
             </a:lvl2pPr>
             <a:lvl3pPr>
@@ -7430,7 +7469,7 @@
                 <a:solidFill>
                   <a:schemeClr val="tx1"/>
                 </a:solidFill>
-                <a:latin typeface="Arial" panose="020B0604020202090204" pitchFamily="34" charset="0"/>
+                <a:latin typeface="Arial" panose="020B0604020202020204" pitchFamily="34" charset="0"/>
               </a:defRPr>
             </a:lvl3pPr>
             <a:lvl4pPr>
@@ -7438,7 +7477,7 @@
                 <a:solidFill>
                   <a:schemeClr val="tx1"/>
                 </a:solidFill>
-                <a:latin typeface="Arial" panose="020B0604020202090204" pitchFamily="34" charset="0"/>
+                <a:latin typeface="Arial" panose="020B0604020202020204" pitchFamily="34" charset="0"/>
               </a:defRPr>
             </a:lvl4pPr>
             <a:lvl5pPr>
@@ -7446,7 +7485,7 @@
                 <a:solidFill>
                   <a:schemeClr val="tx1"/>
                 </a:solidFill>
-                <a:latin typeface="Arial" panose="020B0604020202090204" pitchFamily="34" charset="0"/>
+                <a:latin typeface="Arial" panose="020B0604020202020204" pitchFamily="34" charset="0"/>
               </a:defRPr>
             </a:lvl5pPr>
             <a:lvl6pPr fontAlgn="base">
@@ -7456,12 +7495,12 @@
               <a:spcAft>
                 <a:spcPct val="0"/>
               </a:spcAft>
-              <a:buFont typeface="Arial" panose="020B0604020202090204" pitchFamily="34" charset="0"/>
+              <a:buFont typeface="Arial" panose="020B0604020202020204" pitchFamily="34" charset="0"/>
               <a:defRPr>
                 <a:solidFill>
                   <a:schemeClr val="tx1"/>
                 </a:solidFill>
-                <a:latin typeface="Arial" panose="020B0604020202090204" pitchFamily="34" charset="0"/>
+                <a:latin typeface="Arial" panose="020B0604020202020204" pitchFamily="34" charset="0"/>
               </a:defRPr>
             </a:lvl6pPr>
             <a:lvl7pPr fontAlgn="base">
@@ -7471,12 +7510,12 @@
               <a:spcAft>
                 <a:spcPct val="0"/>
               </a:spcAft>
-              <a:buFont typeface="Arial" panose="020B0604020202090204" pitchFamily="34" charset="0"/>
+              <a:buFont typeface="Arial" panose="020B0604020202020204" pitchFamily="34" charset="0"/>
               <a:defRPr>
                 <a:solidFill>
                   <a:schemeClr val="tx1"/>
                 </a:solidFill>
-                <a:latin typeface="Arial" panose="020B0604020202090204" pitchFamily="34" charset="0"/>
+                <a:latin typeface="Arial" panose="020B0604020202020204" pitchFamily="34" charset="0"/>
               </a:defRPr>
             </a:lvl7pPr>
             <a:lvl8pPr fontAlgn="base">
@@ -7486,12 +7525,12 @@
               <a:spcAft>
                 <a:spcPct val="0"/>
               </a:spcAft>
-              <a:buFont typeface="Arial" panose="020B0604020202090204" pitchFamily="34" charset="0"/>
+              <a:buFont typeface="Arial" panose="020B0604020202020204" pitchFamily="34" charset="0"/>
               <a:defRPr>
                 <a:solidFill>
                   <a:schemeClr val="tx1"/>
                 </a:solidFill>
-                <a:latin typeface="Arial" panose="020B0604020202090204" pitchFamily="34" charset="0"/>
+                <a:latin typeface="Arial" panose="020B0604020202020204" pitchFamily="34" charset="0"/>
               </a:defRPr>
             </a:lvl8pPr>
             <a:lvl9pPr fontAlgn="base">
@@ -7501,12 +7540,12 @@
               <a:spcAft>
                 <a:spcPct val="0"/>
               </a:spcAft>
-              <a:buFont typeface="Arial" panose="020B0604020202090204" pitchFamily="34" charset="0"/>
+              <a:buFont typeface="Arial" panose="020B0604020202020204" pitchFamily="34" charset="0"/>
               <a:defRPr>
                 <a:solidFill>
                   <a:schemeClr val="tx1"/>
                 </a:solidFill>
-                <a:latin typeface="Arial" panose="020B0604020202090204" pitchFamily="34" charset="0"/>
+                <a:latin typeface="Arial" panose="020B0604020202020204" pitchFamily="34" charset="0"/>
               </a:defRPr>
             </a:lvl9pPr>
           </a:lstStyle>
@@ -7601,7 +7640,7 @@
                   <a:solidFill>
                     <a:schemeClr val="tx1"/>
                   </a:solidFill>
-                  <a:latin typeface="Arial" panose="020B0604020202090204" pitchFamily="34" charset="0"/>
+                  <a:latin typeface="Arial" panose="020B0604020202020204" pitchFamily="34" charset="0"/>
                   <a:ea typeface="宋体" panose="02010600030101010101" pitchFamily="2" charset="-122"/>
                 </a:defRPr>
               </a:lvl1pPr>
@@ -7610,7 +7649,7 @@
                   <a:solidFill>
                     <a:schemeClr val="tx1"/>
                   </a:solidFill>
-                  <a:latin typeface="Arial" panose="020B0604020202090204" pitchFamily="34" charset="0"/>
+                  <a:latin typeface="Arial" panose="020B0604020202020204" pitchFamily="34" charset="0"/>
                   <a:ea typeface="宋体" panose="02010600030101010101" pitchFamily="2" charset="-122"/>
                 </a:defRPr>
               </a:lvl2pPr>
@@ -7619,7 +7658,7 @@
                   <a:solidFill>
                     <a:schemeClr val="tx1"/>
                   </a:solidFill>
-                  <a:latin typeface="Arial" panose="020B0604020202090204" pitchFamily="34" charset="0"/>
+                  <a:latin typeface="Arial" panose="020B0604020202020204" pitchFamily="34" charset="0"/>
                   <a:ea typeface="宋体" panose="02010600030101010101" pitchFamily="2" charset="-122"/>
                 </a:defRPr>
               </a:lvl3pPr>
@@ -7628,7 +7667,7 @@
                   <a:solidFill>
                     <a:schemeClr val="tx1"/>
                   </a:solidFill>
-                  <a:latin typeface="Arial" panose="020B0604020202090204" pitchFamily="34" charset="0"/>
+                  <a:latin typeface="Arial" panose="020B0604020202020204" pitchFamily="34" charset="0"/>
                   <a:ea typeface="宋体" panose="02010600030101010101" pitchFamily="2" charset="-122"/>
                 </a:defRPr>
               </a:lvl4pPr>
@@ -7637,7 +7676,7 @@
                   <a:solidFill>
                     <a:schemeClr val="tx1"/>
                   </a:solidFill>
-                  <a:latin typeface="Arial" panose="020B0604020202090204" pitchFamily="34" charset="0"/>
+                  <a:latin typeface="Arial" panose="020B0604020202020204" pitchFamily="34" charset="0"/>
                   <a:ea typeface="宋体" panose="02010600030101010101" pitchFamily="2" charset="-122"/>
                 </a:defRPr>
               </a:lvl5pPr>
@@ -7652,7 +7691,7 @@
                   <a:solidFill>
                     <a:schemeClr val="tx1"/>
                   </a:solidFill>
-                  <a:latin typeface="Arial" panose="020B0604020202090204" pitchFamily="34" charset="0"/>
+                  <a:latin typeface="Arial" panose="020B0604020202020204" pitchFamily="34" charset="0"/>
                   <a:ea typeface="宋体" panose="02010600030101010101" pitchFamily="2" charset="-122"/>
                 </a:defRPr>
               </a:lvl6pPr>
@@ -7667,7 +7706,7 @@
                   <a:solidFill>
                     <a:schemeClr val="tx1"/>
                   </a:solidFill>
-                  <a:latin typeface="Arial" panose="020B0604020202090204" pitchFamily="34" charset="0"/>
+                  <a:latin typeface="Arial" panose="020B0604020202020204" pitchFamily="34" charset="0"/>
                   <a:ea typeface="宋体" panose="02010600030101010101" pitchFamily="2" charset="-122"/>
                 </a:defRPr>
               </a:lvl7pPr>
@@ -7682,7 +7721,7 @@
                   <a:solidFill>
                     <a:schemeClr val="tx1"/>
                   </a:solidFill>
-                  <a:latin typeface="Arial" panose="020B0604020202090204" pitchFamily="34" charset="0"/>
+                  <a:latin typeface="Arial" panose="020B0604020202020204" pitchFamily="34" charset="0"/>
                   <a:ea typeface="宋体" panose="02010600030101010101" pitchFamily="2" charset="-122"/>
                 </a:defRPr>
               </a:lvl8pPr>
@@ -7697,14 +7736,14 @@
                   <a:solidFill>
                     <a:schemeClr val="tx1"/>
                   </a:solidFill>
-                  <a:latin typeface="Arial" panose="020B0604020202090204" pitchFamily="34" charset="0"/>
+                  <a:latin typeface="Arial" panose="020B0604020202020204" pitchFamily="34" charset="0"/>
                   <a:ea typeface="宋体" panose="02010600030101010101" pitchFamily="2" charset="-122"/>
                 </a:defRPr>
               </a:lvl9pPr>
             </a:lstStyle>
             <a:p>
               <a:pPr algn="ctr" eaLnBrk="1" hangingPunct="1">
-                <a:buFont typeface="Arial" panose="020B0604020202090204" pitchFamily="34" charset="0"/>
+                <a:buFont typeface="Arial" panose="020B0604020202020204" pitchFamily="34" charset="0"/>
                 <a:buNone/>
               </a:pPr>
               <a:endParaRPr lang="zh-CN" altLang="zh-CN">
@@ -9517,7 +9556,7 @@
                     <a:solidFill>
                       <a:schemeClr val="tx1"/>
                     </a:solidFill>
-                    <a:latin typeface="Arial" panose="020B0604020202090204" pitchFamily="34" charset="0"/>
+                    <a:latin typeface="Arial" panose="020B0604020202020204" pitchFamily="34" charset="0"/>
                     <a:ea typeface="宋体" panose="02010600030101010101" pitchFamily="2" charset="-122"/>
                   </a:defRPr>
                 </a:lvl1pPr>
@@ -9526,7 +9565,7 @@
                     <a:solidFill>
                       <a:schemeClr val="tx1"/>
                     </a:solidFill>
-                    <a:latin typeface="Arial" panose="020B0604020202090204" pitchFamily="34" charset="0"/>
+                    <a:latin typeface="Arial" panose="020B0604020202020204" pitchFamily="34" charset="0"/>
                     <a:ea typeface="宋体" panose="02010600030101010101" pitchFamily="2" charset="-122"/>
                   </a:defRPr>
                 </a:lvl2pPr>
@@ -9535,7 +9574,7 @@
                     <a:solidFill>
                       <a:schemeClr val="tx1"/>
                     </a:solidFill>
-                    <a:latin typeface="Arial" panose="020B0604020202090204" pitchFamily="34" charset="0"/>
+                    <a:latin typeface="Arial" panose="020B0604020202020204" pitchFamily="34" charset="0"/>
                     <a:ea typeface="宋体" panose="02010600030101010101" pitchFamily="2" charset="-122"/>
                   </a:defRPr>
                 </a:lvl3pPr>
@@ -9544,7 +9583,7 @@
                     <a:solidFill>
                       <a:schemeClr val="tx1"/>
                     </a:solidFill>
-                    <a:latin typeface="Arial" panose="020B0604020202090204" pitchFamily="34" charset="0"/>
+                    <a:latin typeface="Arial" panose="020B0604020202020204" pitchFamily="34" charset="0"/>
                     <a:ea typeface="宋体" panose="02010600030101010101" pitchFamily="2" charset="-122"/>
                   </a:defRPr>
                 </a:lvl4pPr>
@@ -9553,7 +9592,7 @@
                     <a:solidFill>
                       <a:schemeClr val="tx1"/>
                     </a:solidFill>
-                    <a:latin typeface="Arial" panose="020B0604020202090204" pitchFamily="34" charset="0"/>
+                    <a:latin typeface="Arial" panose="020B0604020202020204" pitchFamily="34" charset="0"/>
                     <a:ea typeface="宋体" panose="02010600030101010101" pitchFamily="2" charset="-122"/>
                   </a:defRPr>
                 </a:lvl5pPr>
@@ -9568,7 +9607,7 @@
                     <a:solidFill>
                       <a:schemeClr val="tx1"/>
                     </a:solidFill>
-                    <a:latin typeface="Arial" panose="020B0604020202090204" pitchFamily="34" charset="0"/>
+                    <a:latin typeface="Arial" panose="020B0604020202020204" pitchFamily="34" charset="0"/>
                     <a:ea typeface="宋体" panose="02010600030101010101" pitchFamily="2" charset="-122"/>
                   </a:defRPr>
                 </a:lvl6pPr>
@@ -9583,7 +9622,7 @@
                     <a:solidFill>
                       <a:schemeClr val="tx1"/>
                     </a:solidFill>
-                    <a:latin typeface="Arial" panose="020B0604020202090204" pitchFamily="34" charset="0"/>
+                    <a:latin typeface="Arial" panose="020B0604020202020204" pitchFamily="34" charset="0"/>
                     <a:ea typeface="宋体" panose="02010600030101010101" pitchFamily="2" charset="-122"/>
                   </a:defRPr>
                 </a:lvl7pPr>
@@ -9598,7 +9637,7 @@
                     <a:solidFill>
                       <a:schemeClr val="tx1"/>
                     </a:solidFill>
-                    <a:latin typeface="Arial" panose="020B0604020202090204" pitchFamily="34" charset="0"/>
+                    <a:latin typeface="Arial" panose="020B0604020202020204" pitchFamily="34" charset="0"/>
                     <a:ea typeface="宋体" panose="02010600030101010101" pitchFamily="2" charset="-122"/>
                   </a:defRPr>
                 </a:lvl8pPr>
@@ -9613,14 +9652,14 @@
                     <a:solidFill>
                       <a:schemeClr val="tx1"/>
                     </a:solidFill>
-                    <a:latin typeface="Arial" panose="020B0604020202090204" pitchFamily="34" charset="0"/>
+                    <a:latin typeface="Arial" panose="020B0604020202020204" pitchFamily="34" charset="0"/>
                     <a:ea typeface="宋体" panose="02010600030101010101" pitchFamily="2" charset="-122"/>
                   </a:defRPr>
                 </a:lvl9pPr>
               </a:lstStyle>
               <a:p>
                 <a:pPr eaLnBrk="1" hangingPunct="1">
-                  <a:buFont typeface="Arial" panose="020B0604020202090204" pitchFamily="34" charset="0"/>
+                  <a:buFont typeface="Arial" panose="020B0604020202020204" pitchFamily="34" charset="0"/>
                   <a:buNone/>
                 </a:pPr>
                 <a:endParaRPr lang="zh-CN" altLang="zh-CN">
@@ -11281,7 +11320,7 @@
                     <a:solidFill>
                       <a:schemeClr val="tx1"/>
                     </a:solidFill>
-                    <a:latin typeface="Arial" panose="020B0604020202090204" pitchFamily="34" charset="0"/>
+                    <a:latin typeface="Arial" panose="020B0604020202020204" pitchFamily="34" charset="0"/>
                     <a:ea typeface="宋体" panose="02010600030101010101" pitchFamily="2" charset="-122"/>
                   </a:defRPr>
                 </a:lvl1pPr>
@@ -11290,7 +11329,7 @@
                     <a:solidFill>
                       <a:schemeClr val="tx1"/>
                     </a:solidFill>
-                    <a:latin typeface="Arial" panose="020B0604020202090204" pitchFamily="34" charset="0"/>
+                    <a:latin typeface="Arial" panose="020B0604020202020204" pitchFamily="34" charset="0"/>
                     <a:ea typeface="宋体" panose="02010600030101010101" pitchFamily="2" charset="-122"/>
                   </a:defRPr>
                 </a:lvl2pPr>
@@ -11299,7 +11338,7 @@
                     <a:solidFill>
                       <a:schemeClr val="tx1"/>
                     </a:solidFill>
-                    <a:latin typeface="Arial" panose="020B0604020202090204" pitchFamily="34" charset="0"/>
+                    <a:latin typeface="Arial" panose="020B0604020202020204" pitchFamily="34" charset="0"/>
                     <a:ea typeface="宋体" panose="02010600030101010101" pitchFamily="2" charset="-122"/>
                   </a:defRPr>
                 </a:lvl3pPr>
@@ -11308,7 +11347,7 @@
                     <a:solidFill>
                       <a:schemeClr val="tx1"/>
                     </a:solidFill>
-                    <a:latin typeface="Arial" panose="020B0604020202090204" pitchFamily="34" charset="0"/>
+                    <a:latin typeface="Arial" panose="020B0604020202020204" pitchFamily="34" charset="0"/>
                     <a:ea typeface="宋体" panose="02010600030101010101" pitchFamily="2" charset="-122"/>
                   </a:defRPr>
                 </a:lvl4pPr>
@@ -11317,7 +11356,7 @@
                     <a:solidFill>
                       <a:schemeClr val="tx1"/>
                     </a:solidFill>
-                    <a:latin typeface="Arial" panose="020B0604020202090204" pitchFamily="34" charset="0"/>
+                    <a:latin typeface="Arial" panose="020B0604020202020204" pitchFamily="34" charset="0"/>
                     <a:ea typeface="宋体" panose="02010600030101010101" pitchFamily="2" charset="-122"/>
                   </a:defRPr>
                 </a:lvl5pPr>
@@ -11332,7 +11371,7 @@
                     <a:solidFill>
                       <a:schemeClr val="tx1"/>
                     </a:solidFill>
-                    <a:latin typeface="Arial" panose="020B0604020202090204" pitchFamily="34" charset="0"/>
+                    <a:latin typeface="Arial" panose="020B0604020202020204" pitchFamily="34" charset="0"/>
                     <a:ea typeface="宋体" panose="02010600030101010101" pitchFamily="2" charset="-122"/>
                   </a:defRPr>
                 </a:lvl6pPr>
@@ -11347,7 +11386,7 @@
                     <a:solidFill>
                       <a:schemeClr val="tx1"/>
                     </a:solidFill>
-                    <a:latin typeface="Arial" panose="020B0604020202090204" pitchFamily="34" charset="0"/>
+                    <a:latin typeface="Arial" panose="020B0604020202020204" pitchFamily="34" charset="0"/>
                     <a:ea typeface="宋体" panose="02010600030101010101" pitchFamily="2" charset="-122"/>
                   </a:defRPr>
                 </a:lvl7pPr>
@@ -11362,7 +11401,7 @@
                     <a:solidFill>
                       <a:schemeClr val="tx1"/>
                     </a:solidFill>
-                    <a:latin typeface="Arial" panose="020B0604020202090204" pitchFamily="34" charset="0"/>
+                    <a:latin typeface="Arial" panose="020B0604020202020204" pitchFamily="34" charset="0"/>
                     <a:ea typeface="宋体" panose="02010600030101010101" pitchFamily="2" charset="-122"/>
                   </a:defRPr>
                 </a:lvl8pPr>
@@ -11377,14 +11416,14 @@
                     <a:solidFill>
                       <a:schemeClr val="tx1"/>
                     </a:solidFill>
-                    <a:latin typeface="Arial" panose="020B0604020202090204" pitchFamily="34" charset="0"/>
+                    <a:latin typeface="Arial" panose="020B0604020202020204" pitchFamily="34" charset="0"/>
                     <a:ea typeface="宋体" panose="02010600030101010101" pitchFamily="2" charset="-122"/>
                   </a:defRPr>
                 </a:lvl9pPr>
               </a:lstStyle>
               <a:p>
                 <a:pPr eaLnBrk="1" hangingPunct="1">
-                  <a:buFont typeface="Arial" panose="020B0604020202090204" pitchFamily="34" charset="0"/>
+                  <a:buFont typeface="Arial" panose="020B0604020202020204" pitchFamily="34" charset="0"/>
                   <a:buNone/>
                 </a:pPr>
                 <a:endParaRPr lang="zh-CN" altLang="zh-CN">
@@ -13025,7 +13064,7 @@
                     <a:solidFill>
                       <a:schemeClr val="tx1"/>
                     </a:solidFill>
-                    <a:latin typeface="Arial" panose="020B0604020202090204" pitchFamily="34" charset="0"/>
+                    <a:latin typeface="Arial" panose="020B0604020202020204" pitchFamily="34" charset="0"/>
                     <a:ea typeface="宋体" panose="02010600030101010101" pitchFamily="2" charset="-122"/>
                   </a:defRPr>
                 </a:lvl1pPr>
@@ -13034,7 +13073,7 @@
                     <a:solidFill>
                       <a:schemeClr val="tx1"/>
                     </a:solidFill>
-                    <a:latin typeface="Arial" panose="020B0604020202090204" pitchFamily="34" charset="0"/>
+                    <a:latin typeface="Arial" panose="020B0604020202020204" pitchFamily="34" charset="0"/>
                     <a:ea typeface="宋体" panose="02010600030101010101" pitchFamily="2" charset="-122"/>
                   </a:defRPr>
                 </a:lvl2pPr>
@@ -13043,7 +13082,7 @@
                     <a:solidFill>
                       <a:schemeClr val="tx1"/>
                     </a:solidFill>
-                    <a:latin typeface="Arial" panose="020B0604020202090204" pitchFamily="34" charset="0"/>
+                    <a:latin typeface="Arial" panose="020B0604020202020204" pitchFamily="34" charset="0"/>
                     <a:ea typeface="宋体" panose="02010600030101010101" pitchFamily="2" charset="-122"/>
                   </a:defRPr>
                 </a:lvl3pPr>
@@ -13052,7 +13091,7 @@
                     <a:solidFill>
                       <a:schemeClr val="tx1"/>
                     </a:solidFill>
-                    <a:latin typeface="Arial" panose="020B0604020202090204" pitchFamily="34" charset="0"/>
+                    <a:latin typeface="Arial" panose="020B0604020202020204" pitchFamily="34" charset="0"/>
                     <a:ea typeface="宋体" panose="02010600030101010101" pitchFamily="2" charset="-122"/>
                   </a:defRPr>
                 </a:lvl4pPr>
@@ -13061,7 +13100,7 @@
                     <a:solidFill>
                       <a:schemeClr val="tx1"/>
                     </a:solidFill>
-                    <a:latin typeface="Arial" panose="020B0604020202090204" pitchFamily="34" charset="0"/>
+                    <a:latin typeface="Arial" panose="020B0604020202020204" pitchFamily="34" charset="0"/>
                     <a:ea typeface="宋体" panose="02010600030101010101" pitchFamily="2" charset="-122"/>
                   </a:defRPr>
                 </a:lvl5pPr>
@@ -13076,7 +13115,7 @@
                     <a:solidFill>
                       <a:schemeClr val="tx1"/>
                     </a:solidFill>
-                    <a:latin typeface="Arial" panose="020B0604020202090204" pitchFamily="34" charset="0"/>
+                    <a:latin typeface="Arial" panose="020B0604020202020204" pitchFamily="34" charset="0"/>
                     <a:ea typeface="宋体" panose="02010600030101010101" pitchFamily="2" charset="-122"/>
                   </a:defRPr>
                 </a:lvl6pPr>
@@ -13091,7 +13130,7 @@
                     <a:solidFill>
                       <a:schemeClr val="tx1"/>
                     </a:solidFill>
-                    <a:latin typeface="Arial" panose="020B0604020202090204" pitchFamily="34" charset="0"/>
+                    <a:latin typeface="Arial" panose="020B0604020202020204" pitchFamily="34" charset="0"/>
                     <a:ea typeface="宋体" panose="02010600030101010101" pitchFamily="2" charset="-122"/>
                   </a:defRPr>
                 </a:lvl7pPr>
@@ -13106,7 +13145,7 @@
                     <a:solidFill>
                       <a:schemeClr val="tx1"/>
                     </a:solidFill>
-                    <a:latin typeface="Arial" panose="020B0604020202090204" pitchFamily="34" charset="0"/>
+                    <a:latin typeface="Arial" panose="020B0604020202020204" pitchFamily="34" charset="0"/>
                     <a:ea typeface="宋体" panose="02010600030101010101" pitchFamily="2" charset="-122"/>
                   </a:defRPr>
                 </a:lvl8pPr>
@@ -13121,14 +13160,14 @@
                     <a:solidFill>
                       <a:schemeClr val="tx1"/>
                     </a:solidFill>
-                    <a:latin typeface="Arial" panose="020B0604020202090204" pitchFamily="34" charset="0"/>
+                    <a:latin typeface="Arial" panose="020B0604020202020204" pitchFamily="34" charset="0"/>
                     <a:ea typeface="宋体" panose="02010600030101010101" pitchFamily="2" charset="-122"/>
                   </a:defRPr>
                 </a:lvl9pPr>
               </a:lstStyle>
               <a:p>
                 <a:pPr eaLnBrk="1" hangingPunct="1">
-                  <a:buFont typeface="Arial" panose="020B0604020202090204" pitchFamily="34" charset="0"/>
+                  <a:buFont typeface="Arial" panose="020B0604020202020204" pitchFamily="34" charset="0"/>
                   <a:buNone/>
                 </a:pPr>
                 <a:endParaRPr lang="zh-CN" altLang="zh-CN">
@@ -14024,7 +14063,7 @@
             </a:pathLst>
           </a:custGeom>
           <a:blipFill dpi="0" rotWithShape="1">
-            <a:blip r:embed="rId3" cstate="print"/>
+            <a:blip r:embed="rId2" cstate="print"/>
             <a:srcRect/>
             <a:tile tx="0" ty="0" sx="100000" sy="100000" flip="none" algn="tl"/>
           </a:blipFill>
@@ -14056,6 +14095,13 @@
               </a:rPr>
               <a:t>谢谢聆听</a:t>
             </a:r>
+            <a:endParaRPr lang="zh-CN" altLang="en-US" dirty="0">
+              <a:solidFill>
+                <a:schemeClr val="bg1"/>
+              </a:solidFill>
+              <a:latin typeface="+mn-ea"/>
+              <a:ea typeface="+mn-ea"/>
+            </a:endParaRPr>
           </a:p>
         </p:txBody>
       </p:sp>
@@ -14068,7 +14114,7 @@
           <p:nvPr/>
         </p:nvPicPr>
         <p:blipFill>
-          <a:blip r:embed="rId4" cstate="print">
+          <a:blip r:embed="rId3" cstate="print">
             <a:extLst>
               <a:ext uri="{28A0092B-C50C-407E-A947-70E740481C1C}">
                 <a14:useLocalDpi xmlns:a14="http://schemas.microsoft.com/office/drawing/2010/main" val="0"/>
@@ -14354,7 +14400,7 @@
           </a:spcAft>
           <a:buClrTx/>
           <a:buSzTx/>
-          <a:buFont typeface="Arial" panose="020B0604020202090204" pitchFamily="34" charset="0"/>
+          <a:buFont typeface="Arial" panose="020B0604020202020204" pitchFamily="34" charset="0"/>
           <a:buNone/>
           <a:defRPr kumimoji="0" lang="zh-CN" altLang="zh-CN" sz="1800" b="0" i="0" u="none" strike="noStrike" cap="none" normalizeH="0" baseline="0" smtClean="0">
             <a:ln>
@@ -14364,7 +14410,7 @@
               <a:schemeClr val="tx1"/>
             </a:solidFill>
             <a:effectLst/>
-            <a:latin typeface="Arial" panose="020B0604020202090204" pitchFamily="34" charset="0"/>
+            <a:latin typeface="Arial" panose="020B0604020202020204" pitchFamily="34" charset="0"/>
             <a:ea typeface="宋体" panose="02010600030101010101" pitchFamily="2" charset="-122"/>
           </a:defRPr>
         </a:defPPr>
@@ -14411,7 +14457,7 @@
           </a:spcAft>
           <a:buClrTx/>
           <a:buSzTx/>
-          <a:buFont typeface="Arial" panose="020B0604020202090204" pitchFamily="34" charset="0"/>
+          <a:buFont typeface="Arial" panose="020B0604020202020204" pitchFamily="34" charset="0"/>
           <a:buNone/>
           <a:defRPr kumimoji="0" lang="zh-CN" altLang="zh-CN" sz="1800" b="0" i="0" u="none" strike="noStrike" cap="none" normalizeH="0" baseline="0" smtClean="0">
             <a:ln>
@@ -14421,14 +14467,13 @@
               <a:schemeClr val="tx1"/>
             </a:solidFill>
             <a:effectLst/>
-            <a:latin typeface="Arial" panose="020B0604020202090204" pitchFamily="34" charset="0"/>
+            <a:latin typeface="Arial" panose="020B0604020202020204" pitchFamily="34" charset="0"/>
             <a:ea typeface="宋体" panose="02010600030101010101" pitchFamily="2" charset="-122"/>
           </a:defRPr>
         </a:defPPr>
       </a:lstStyle>
     </a:lnDef>
   </a:objectDefaults>
-  <a:extraClrSchemeLst/>
   <a:extLst>
     <a:ext uri="{05A4C25C-085E-4340-85A3-A5531E510DB2}">
       <thm15:themeFamily xmlns:thm15="http://schemas.microsoft.com/office/thememl/2012/main" name="Office Theme" id="{62F939B6-93AF-4DB8-9C6B-D6C7DFDC589F}" vid="{4A3C46E8-61CC-4603-A589-7422A47A8E4A}"/>
@@ -14715,8 +14760,6 @@
       </a:bgFillStyleLst>
     </a:fmtScheme>
   </a:themeElements>
-  <a:objectDefaults/>
-  <a:extraClrSchemeLst/>
   <a:extLst>
     <a:ext uri="{05A4C25C-085E-4340-85A3-A5531E510DB2}">
       <thm15:themeFamily xmlns:thm15="http://schemas.microsoft.com/office/thememl/2012/main" name="Office Theme" id="{62F939B6-93AF-4DB8-9C6B-D6C7DFDC589F}" vid="{4A3C46E8-61CC-4603-A589-7422A47A8E4A}"/>
@@ -15003,8 +15046,6 @@
       </a:bgFillStyleLst>
     </a:fmtScheme>
   </a:themeElements>
-  <a:objectDefaults/>
-  <a:extraClrSchemeLst/>
   <a:extLst>
     <a:ext uri="{05A4C25C-085E-4340-85A3-A5531E510DB2}">
       <thm15:themeFamily xmlns:thm15="http://schemas.microsoft.com/office/thememl/2012/main" name="Office Theme" id="{62F939B6-93AF-4DB8-9C6B-D6C7DFDC589F}" vid="{4A3C46E8-61CC-4603-A589-7422A47A8E4A}"/>
